--- a/Tukisland.pptx
+++ b/Tukisland.pptx
@@ -260,7 +260,7 @@
           <a:p>
             <a:fld id="{23423902-E5F6-4A0D-9A81-A9BF902CCB85}" type="datetimeFigureOut">
               <a:rPr lang="es-ES" smtClean="0"/>
-              <a:t>04/05/2021</a:t>
+              <a:t>05/05/2021</a:t>
             </a:fld>
             <a:endParaRPr lang="es-ES"/>
           </a:p>
@@ -458,7 +458,7 @@
           <a:p>
             <a:fld id="{23423902-E5F6-4A0D-9A81-A9BF902CCB85}" type="datetimeFigureOut">
               <a:rPr lang="es-ES" smtClean="0"/>
-              <a:t>04/05/2021</a:t>
+              <a:t>05/05/2021</a:t>
             </a:fld>
             <a:endParaRPr lang="es-ES"/>
           </a:p>
@@ -666,7 +666,7 @@
           <a:p>
             <a:fld id="{23423902-E5F6-4A0D-9A81-A9BF902CCB85}" type="datetimeFigureOut">
               <a:rPr lang="es-ES" smtClean="0"/>
-              <a:t>04/05/2021</a:t>
+              <a:t>05/05/2021</a:t>
             </a:fld>
             <a:endParaRPr lang="es-ES"/>
           </a:p>
@@ -864,7 +864,7 @@
           <a:p>
             <a:fld id="{23423902-E5F6-4A0D-9A81-A9BF902CCB85}" type="datetimeFigureOut">
               <a:rPr lang="es-ES" smtClean="0"/>
-              <a:t>04/05/2021</a:t>
+              <a:t>05/05/2021</a:t>
             </a:fld>
             <a:endParaRPr lang="es-ES"/>
           </a:p>
@@ -1139,7 +1139,7 @@
           <a:p>
             <a:fld id="{23423902-E5F6-4A0D-9A81-A9BF902CCB85}" type="datetimeFigureOut">
               <a:rPr lang="es-ES" smtClean="0"/>
-              <a:t>04/05/2021</a:t>
+              <a:t>05/05/2021</a:t>
             </a:fld>
             <a:endParaRPr lang="es-ES"/>
           </a:p>
@@ -1404,7 +1404,7 @@
           <a:p>
             <a:fld id="{23423902-E5F6-4A0D-9A81-A9BF902CCB85}" type="datetimeFigureOut">
               <a:rPr lang="es-ES" smtClean="0"/>
-              <a:t>04/05/2021</a:t>
+              <a:t>05/05/2021</a:t>
             </a:fld>
             <a:endParaRPr lang="es-ES"/>
           </a:p>
@@ -1816,7 +1816,7 @@
           <a:p>
             <a:fld id="{23423902-E5F6-4A0D-9A81-A9BF902CCB85}" type="datetimeFigureOut">
               <a:rPr lang="es-ES" smtClean="0"/>
-              <a:t>04/05/2021</a:t>
+              <a:t>05/05/2021</a:t>
             </a:fld>
             <a:endParaRPr lang="es-ES"/>
           </a:p>
@@ -1957,7 +1957,7 @@
           <a:p>
             <a:fld id="{23423902-E5F6-4A0D-9A81-A9BF902CCB85}" type="datetimeFigureOut">
               <a:rPr lang="es-ES" smtClean="0"/>
-              <a:t>04/05/2021</a:t>
+              <a:t>05/05/2021</a:t>
             </a:fld>
             <a:endParaRPr lang="es-ES"/>
           </a:p>
@@ -2070,7 +2070,7 @@
           <a:p>
             <a:fld id="{23423902-E5F6-4A0D-9A81-A9BF902CCB85}" type="datetimeFigureOut">
               <a:rPr lang="es-ES" smtClean="0"/>
-              <a:t>04/05/2021</a:t>
+              <a:t>05/05/2021</a:t>
             </a:fld>
             <a:endParaRPr lang="es-ES"/>
           </a:p>
@@ -2381,7 +2381,7 @@
           <a:p>
             <a:fld id="{23423902-E5F6-4A0D-9A81-A9BF902CCB85}" type="datetimeFigureOut">
               <a:rPr lang="es-ES" smtClean="0"/>
-              <a:t>04/05/2021</a:t>
+              <a:t>05/05/2021</a:t>
             </a:fld>
             <a:endParaRPr lang="es-ES"/>
           </a:p>
@@ -2669,7 +2669,7 @@
           <a:p>
             <a:fld id="{23423902-E5F6-4A0D-9A81-A9BF902CCB85}" type="datetimeFigureOut">
               <a:rPr lang="es-ES" smtClean="0"/>
-              <a:t>04/05/2021</a:t>
+              <a:t>05/05/2021</a:t>
             </a:fld>
             <a:endParaRPr lang="es-ES"/>
           </a:p>
@@ -2910,7 +2910,7 @@
           <a:p>
             <a:fld id="{23423902-E5F6-4A0D-9A81-A9BF902CCB85}" type="datetimeFigureOut">
               <a:rPr lang="es-ES" smtClean="0"/>
-              <a:t>04/05/2021</a:t>
+              <a:t>05/05/2021</a:t>
             </a:fld>
             <a:endParaRPr lang="es-ES"/>
           </a:p>
@@ -3422,13 +3422,13 @@
           <a:p>
             <a:r>
               <a:rPr lang="es-ES" dirty="0"/>
-              <a:t>-Dormir</a:t>
+              <a:t>-Dormir*</a:t>
             </a:r>
           </a:p>
           <a:p>
             <a:r>
               <a:rPr lang="es-ES" dirty="0"/>
-              <a:t>-Comer</a:t>
+              <a:t>-Comer*</a:t>
             </a:r>
           </a:p>
           <a:p>

--- a/Tukisland.pptx
+++ b/Tukisland.pptx
@@ -7,6 +7,7 @@
   <p:sldIdLst>
     <p:sldId id="256" r:id="rId2"/>
     <p:sldId id="257" r:id="rId3"/>
+    <p:sldId id="258" r:id="rId4"/>
   </p:sldIdLst>
   <p:sldSz cx="12192000" cy="6858000"/>
   <p:notesSz cx="6858000" cy="9144000"/>
@@ -260,7 +261,7 @@
           <a:p>
             <a:fld id="{23423902-E5F6-4A0D-9A81-A9BF902CCB85}" type="datetimeFigureOut">
               <a:rPr lang="es-ES" smtClean="0"/>
-              <a:t>05/05/2021</a:t>
+              <a:t>17/05/2021</a:t>
             </a:fld>
             <a:endParaRPr lang="es-ES"/>
           </a:p>
@@ -458,7 +459,7 @@
           <a:p>
             <a:fld id="{23423902-E5F6-4A0D-9A81-A9BF902CCB85}" type="datetimeFigureOut">
               <a:rPr lang="es-ES" smtClean="0"/>
-              <a:t>05/05/2021</a:t>
+              <a:t>17/05/2021</a:t>
             </a:fld>
             <a:endParaRPr lang="es-ES"/>
           </a:p>
@@ -666,7 +667,7 @@
           <a:p>
             <a:fld id="{23423902-E5F6-4A0D-9A81-A9BF902CCB85}" type="datetimeFigureOut">
               <a:rPr lang="es-ES" smtClean="0"/>
-              <a:t>05/05/2021</a:t>
+              <a:t>17/05/2021</a:t>
             </a:fld>
             <a:endParaRPr lang="es-ES"/>
           </a:p>
@@ -864,7 +865,7 @@
           <a:p>
             <a:fld id="{23423902-E5F6-4A0D-9A81-A9BF902CCB85}" type="datetimeFigureOut">
               <a:rPr lang="es-ES" smtClean="0"/>
-              <a:t>05/05/2021</a:t>
+              <a:t>17/05/2021</a:t>
             </a:fld>
             <a:endParaRPr lang="es-ES"/>
           </a:p>
@@ -1139,7 +1140,7 @@
           <a:p>
             <a:fld id="{23423902-E5F6-4A0D-9A81-A9BF902CCB85}" type="datetimeFigureOut">
               <a:rPr lang="es-ES" smtClean="0"/>
-              <a:t>05/05/2021</a:t>
+              <a:t>17/05/2021</a:t>
             </a:fld>
             <a:endParaRPr lang="es-ES"/>
           </a:p>
@@ -1404,7 +1405,7 @@
           <a:p>
             <a:fld id="{23423902-E5F6-4A0D-9A81-A9BF902CCB85}" type="datetimeFigureOut">
               <a:rPr lang="es-ES" smtClean="0"/>
-              <a:t>05/05/2021</a:t>
+              <a:t>17/05/2021</a:t>
             </a:fld>
             <a:endParaRPr lang="es-ES"/>
           </a:p>
@@ -1816,7 +1817,7 @@
           <a:p>
             <a:fld id="{23423902-E5F6-4A0D-9A81-A9BF902CCB85}" type="datetimeFigureOut">
               <a:rPr lang="es-ES" smtClean="0"/>
-              <a:t>05/05/2021</a:t>
+              <a:t>17/05/2021</a:t>
             </a:fld>
             <a:endParaRPr lang="es-ES"/>
           </a:p>
@@ -1957,7 +1958,7 @@
           <a:p>
             <a:fld id="{23423902-E5F6-4A0D-9A81-A9BF902CCB85}" type="datetimeFigureOut">
               <a:rPr lang="es-ES" smtClean="0"/>
-              <a:t>05/05/2021</a:t>
+              <a:t>17/05/2021</a:t>
             </a:fld>
             <a:endParaRPr lang="es-ES"/>
           </a:p>
@@ -2070,7 +2071,7 @@
           <a:p>
             <a:fld id="{23423902-E5F6-4A0D-9A81-A9BF902CCB85}" type="datetimeFigureOut">
               <a:rPr lang="es-ES" smtClean="0"/>
-              <a:t>05/05/2021</a:t>
+              <a:t>17/05/2021</a:t>
             </a:fld>
             <a:endParaRPr lang="es-ES"/>
           </a:p>
@@ -2381,7 +2382,7 @@
           <a:p>
             <a:fld id="{23423902-E5F6-4A0D-9A81-A9BF902CCB85}" type="datetimeFigureOut">
               <a:rPr lang="es-ES" smtClean="0"/>
-              <a:t>05/05/2021</a:t>
+              <a:t>17/05/2021</a:t>
             </a:fld>
             <a:endParaRPr lang="es-ES"/>
           </a:p>
@@ -2669,7 +2670,7 @@
           <a:p>
             <a:fld id="{23423902-E5F6-4A0D-9A81-A9BF902CCB85}" type="datetimeFigureOut">
               <a:rPr lang="es-ES" smtClean="0"/>
-              <a:t>05/05/2021</a:t>
+              <a:t>17/05/2021</a:t>
             </a:fld>
             <a:endParaRPr lang="es-ES"/>
           </a:p>
@@ -2910,7 +2911,7 @@
           <a:p>
             <a:fld id="{23423902-E5F6-4A0D-9A81-A9BF902CCB85}" type="datetimeFigureOut">
               <a:rPr lang="es-ES" smtClean="0"/>
-              <a:t>05/05/2021</a:t>
+              <a:t>17/05/2021</a:t>
             </a:fld>
             <a:endParaRPr lang="es-ES"/>
           </a:p>
@@ -3440,7 +3441,7 @@
           <a:p>
             <a:r>
               <a:rPr lang="es-ES" dirty="0"/>
-              <a:t>-Pelear</a:t>
+              <a:t>-Pelear*</a:t>
             </a:r>
           </a:p>
           <a:p>
@@ -3491,6 +3492,310 @@
     <p:extLst>
       <p:ext uri="{BB962C8B-B14F-4D97-AF65-F5344CB8AC3E}">
         <p14:creationId xmlns:p14="http://schemas.microsoft.com/office/powerpoint/2010/main" val="3376258902"/>
+      </p:ext>
+    </p:extLst>
+  </p:cSld>
+  <p:clrMapOvr>
+    <a:masterClrMapping/>
+  </p:clrMapOvr>
+</p:sld>
+</file>
+
+<file path=ppt/slides/slide3.xml><?xml version="1.0" encoding="utf-8"?>
+<p:sld xmlns:a="http://schemas.openxmlformats.org/drawingml/2006/main" xmlns:r="http://schemas.openxmlformats.org/officeDocument/2006/relationships" xmlns:p="http://schemas.openxmlformats.org/presentationml/2006/main">
+  <p:cSld>
+    <p:spTree>
+      <p:nvGrpSpPr>
+        <p:cNvPr id="1" name=""/>
+        <p:cNvGrpSpPr/>
+        <p:nvPr/>
+      </p:nvGrpSpPr>
+      <p:grpSpPr>
+        <a:xfrm>
+          <a:off x="0" y="0"/>
+          <a:ext cx="0" cy="0"/>
+          <a:chOff x="0" y="0"/>
+          <a:chExt cx="0" cy="0"/>
+        </a:xfrm>
+      </p:grpSpPr>
+      <p:sp>
+        <p:nvSpPr>
+          <p:cNvPr id="2" name="Título 1">
+            <a:extLst>
+              <a:ext uri="{FF2B5EF4-FFF2-40B4-BE49-F238E27FC236}">
+                <a16:creationId xmlns:a16="http://schemas.microsoft.com/office/drawing/2014/main" id="{78F1C45B-202F-460B-92D1-C91734E29738}"/>
+              </a:ext>
+            </a:extLst>
+          </p:cNvPr>
+          <p:cNvSpPr>
+            <a:spLocks noGrp="1"/>
+          </p:cNvSpPr>
+          <p:nvPr>
+            <p:ph type="title"/>
+          </p:nvPr>
+        </p:nvSpPr>
+        <p:spPr/>
+        <p:txBody>
+          <a:bodyPr/>
+          <a:lstStyle/>
+          <a:p>
+            <a:pPr algn="ctr"/>
+            <a:r>
+              <a:rPr lang="es-ES" dirty="0"/>
+              <a:t>Entornos</a:t>
+            </a:r>
+          </a:p>
+        </p:txBody>
+      </p:sp>
+      <p:sp>
+        <p:nvSpPr>
+          <p:cNvPr id="3" name="Marcador de contenido 2">
+            <a:extLst>
+              <a:ext uri="{FF2B5EF4-FFF2-40B4-BE49-F238E27FC236}">
+                <a16:creationId xmlns:a16="http://schemas.microsoft.com/office/drawing/2014/main" id="{1CE1D3AB-25CD-4668-B20C-A36EACEA936B}"/>
+              </a:ext>
+            </a:extLst>
+          </p:cNvPr>
+          <p:cNvSpPr>
+            <a:spLocks noGrp="1"/>
+          </p:cNvSpPr>
+          <p:nvPr>
+            <p:ph idx="1"/>
+          </p:nvPr>
+        </p:nvSpPr>
+        <p:spPr>
+          <a:xfrm>
+            <a:off x="838200" y="1825625"/>
+            <a:ext cx="5257800" cy="4351338"/>
+          </a:xfrm>
+        </p:spPr>
+        <p:txBody>
+          <a:bodyPr/>
+          <a:lstStyle/>
+          <a:p>
+            <a:pPr marL="0" indent="0">
+              <a:buNone/>
+            </a:pPr>
+            <a:r>
+              <a:rPr lang="es-ES" dirty="0"/>
+              <a:t>Hogar: refugio del jugador donde los animales que se domestican conviven.</a:t>
+            </a:r>
+          </a:p>
+          <a:p>
+            <a:pPr marL="0" indent="0">
+              <a:buNone/>
+            </a:pPr>
+            <a:endParaRPr lang="es-ES" dirty="0"/>
+          </a:p>
+        </p:txBody>
+      </p:sp>
+      <p:sp>
+        <p:nvSpPr>
+          <p:cNvPr id="4" name="Marcador de contenido 2">
+            <a:extLst>
+              <a:ext uri="{FF2B5EF4-FFF2-40B4-BE49-F238E27FC236}">
+                <a16:creationId xmlns:a16="http://schemas.microsoft.com/office/drawing/2014/main" id="{64B85283-1E44-400C-A4A9-4E79C9503103}"/>
+              </a:ext>
+            </a:extLst>
+          </p:cNvPr>
+          <p:cNvSpPr txBox="1">
+            <a:spLocks/>
+          </p:cNvSpPr>
+          <p:nvPr/>
+        </p:nvSpPr>
+        <p:spPr>
+          <a:xfrm>
+            <a:off x="6459245" y="1825625"/>
+            <a:ext cx="5257800" cy="4351338"/>
+          </a:xfrm>
+          <a:prstGeom prst="rect">
+            <a:avLst/>
+          </a:prstGeom>
+        </p:spPr>
+        <p:txBody>
+          <a:bodyPr vert="horz" lIns="91440" tIns="45720" rIns="91440" bIns="45720" rtlCol="0">
+            <a:normAutofit/>
+          </a:bodyPr>
+          <a:lstStyle>
+            <a:lvl1pPr marL="228600" indent="-228600" algn="l" defTabSz="914400" rtl="0" eaLnBrk="1" latinLnBrk="0" hangingPunct="1">
+              <a:lnSpc>
+                <a:spcPct val="90000"/>
+              </a:lnSpc>
+              <a:spcBef>
+                <a:spcPts val="1000"/>
+              </a:spcBef>
+              <a:buFont typeface="Arial" panose="020B0604020202020204" pitchFamily="34" charset="0"/>
+              <a:buChar char="•"/>
+              <a:defRPr sz="2800" kern="1200">
+                <a:solidFill>
+                  <a:schemeClr val="tx1"/>
+                </a:solidFill>
+                <a:latin typeface="+mn-lt"/>
+                <a:ea typeface="+mn-ea"/>
+                <a:cs typeface="+mn-cs"/>
+              </a:defRPr>
+            </a:lvl1pPr>
+            <a:lvl2pPr marL="685800" indent="-228600" algn="l" defTabSz="914400" rtl="0" eaLnBrk="1" latinLnBrk="0" hangingPunct="1">
+              <a:lnSpc>
+                <a:spcPct val="90000"/>
+              </a:lnSpc>
+              <a:spcBef>
+                <a:spcPts val="500"/>
+              </a:spcBef>
+              <a:buFont typeface="Arial" panose="020B0604020202020204" pitchFamily="34" charset="0"/>
+              <a:buChar char="•"/>
+              <a:defRPr sz="2400" kern="1200">
+                <a:solidFill>
+                  <a:schemeClr val="tx1"/>
+                </a:solidFill>
+                <a:latin typeface="+mn-lt"/>
+                <a:ea typeface="+mn-ea"/>
+                <a:cs typeface="+mn-cs"/>
+              </a:defRPr>
+            </a:lvl2pPr>
+            <a:lvl3pPr marL="1143000" indent="-228600" algn="l" defTabSz="914400" rtl="0" eaLnBrk="1" latinLnBrk="0" hangingPunct="1">
+              <a:lnSpc>
+                <a:spcPct val="90000"/>
+              </a:lnSpc>
+              <a:spcBef>
+                <a:spcPts val="500"/>
+              </a:spcBef>
+              <a:buFont typeface="Arial" panose="020B0604020202020204" pitchFamily="34" charset="0"/>
+              <a:buChar char="•"/>
+              <a:defRPr sz="2000" kern="1200">
+                <a:solidFill>
+                  <a:schemeClr val="tx1"/>
+                </a:solidFill>
+                <a:latin typeface="+mn-lt"/>
+                <a:ea typeface="+mn-ea"/>
+                <a:cs typeface="+mn-cs"/>
+              </a:defRPr>
+            </a:lvl3pPr>
+            <a:lvl4pPr marL="1600200" indent="-228600" algn="l" defTabSz="914400" rtl="0" eaLnBrk="1" latinLnBrk="0" hangingPunct="1">
+              <a:lnSpc>
+                <a:spcPct val="90000"/>
+              </a:lnSpc>
+              <a:spcBef>
+                <a:spcPts val="500"/>
+              </a:spcBef>
+              <a:buFont typeface="Arial" panose="020B0604020202020204" pitchFamily="34" charset="0"/>
+              <a:buChar char="•"/>
+              <a:defRPr sz="1800" kern="1200">
+                <a:solidFill>
+                  <a:schemeClr val="tx1"/>
+                </a:solidFill>
+                <a:latin typeface="+mn-lt"/>
+                <a:ea typeface="+mn-ea"/>
+                <a:cs typeface="+mn-cs"/>
+              </a:defRPr>
+            </a:lvl4pPr>
+            <a:lvl5pPr marL="2057400" indent="-228600" algn="l" defTabSz="914400" rtl="0" eaLnBrk="1" latinLnBrk="0" hangingPunct="1">
+              <a:lnSpc>
+                <a:spcPct val="90000"/>
+              </a:lnSpc>
+              <a:spcBef>
+                <a:spcPts val="500"/>
+              </a:spcBef>
+              <a:buFont typeface="Arial" panose="020B0604020202020204" pitchFamily="34" charset="0"/>
+              <a:buChar char="•"/>
+              <a:defRPr sz="1800" kern="1200">
+                <a:solidFill>
+                  <a:schemeClr val="tx1"/>
+                </a:solidFill>
+                <a:latin typeface="+mn-lt"/>
+                <a:ea typeface="+mn-ea"/>
+                <a:cs typeface="+mn-cs"/>
+              </a:defRPr>
+            </a:lvl5pPr>
+            <a:lvl6pPr marL="2514600" indent="-228600" algn="l" defTabSz="914400" rtl="0" eaLnBrk="1" latinLnBrk="0" hangingPunct="1">
+              <a:lnSpc>
+                <a:spcPct val="90000"/>
+              </a:lnSpc>
+              <a:spcBef>
+                <a:spcPts val="500"/>
+              </a:spcBef>
+              <a:buFont typeface="Arial" panose="020B0604020202020204" pitchFamily="34" charset="0"/>
+              <a:buChar char="•"/>
+              <a:defRPr sz="1800" kern="1200">
+                <a:solidFill>
+                  <a:schemeClr val="tx1"/>
+                </a:solidFill>
+                <a:latin typeface="+mn-lt"/>
+                <a:ea typeface="+mn-ea"/>
+                <a:cs typeface="+mn-cs"/>
+              </a:defRPr>
+            </a:lvl6pPr>
+            <a:lvl7pPr marL="2971800" indent="-228600" algn="l" defTabSz="914400" rtl="0" eaLnBrk="1" latinLnBrk="0" hangingPunct="1">
+              <a:lnSpc>
+                <a:spcPct val="90000"/>
+              </a:lnSpc>
+              <a:spcBef>
+                <a:spcPts val="500"/>
+              </a:spcBef>
+              <a:buFont typeface="Arial" panose="020B0604020202020204" pitchFamily="34" charset="0"/>
+              <a:buChar char="•"/>
+              <a:defRPr sz="1800" kern="1200">
+                <a:solidFill>
+                  <a:schemeClr val="tx1"/>
+                </a:solidFill>
+                <a:latin typeface="+mn-lt"/>
+                <a:ea typeface="+mn-ea"/>
+                <a:cs typeface="+mn-cs"/>
+              </a:defRPr>
+            </a:lvl7pPr>
+            <a:lvl8pPr marL="3429000" indent="-228600" algn="l" defTabSz="914400" rtl="0" eaLnBrk="1" latinLnBrk="0" hangingPunct="1">
+              <a:lnSpc>
+                <a:spcPct val="90000"/>
+              </a:lnSpc>
+              <a:spcBef>
+                <a:spcPts val="500"/>
+              </a:spcBef>
+              <a:buFont typeface="Arial" panose="020B0604020202020204" pitchFamily="34" charset="0"/>
+              <a:buChar char="•"/>
+              <a:defRPr sz="1800" kern="1200">
+                <a:solidFill>
+                  <a:schemeClr val="tx1"/>
+                </a:solidFill>
+                <a:latin typeface="+mn-lt"/>
+                <a:ea typeface="+mn-ea"/>
+                <a:cs typeface="+mn-cs"/>
+              </a:defRPr>
+            </a:lvl8pPr>
+            <a:lvl9pPr marL="3886200" indent="-228600" algn="l" defTabSz="914400" rtl="0" eaLnBrk="1" latinLnBrk="0" hangingPunct="1">
+              <a:lnSpc>
+                <a:spcPct val="90000"/>
+              </a:lnSpc>
+              <a:spcBef>
+                <a:spcPts val="500"/>
+              </a:spcBef>
+              <a:buFont typeface="Arial" panose="020B0604020202020204" pitchFamily="34" charset="0"/>
+              <a:buChar char="•"/>
+              <a:defRPr sz="1800" kern="1200">
+                <a:solidFill>
+                  <a:schemeClr val="tx1"/>
+                </a:solidFill>
+                <a:latin typeface="+mn-lt"/>
+                <a:ea typeface="+mn-ea"/>
+                <a:cs typeface="+mn-cs"/>
+              </a:defRPr>
+            </a:lvl9pPr>
+          </a:lstStyle>
+          <a:p>
+            <a:pPr marL="0" indent="0">
+              <a:buFont typeface="Arial" panose="020B0604020202020204" pitchFamily="34" charset="0"/>
+              <a:buNone/>
+            </a:pPr>
+            <a:r>
+              <a:rPr lang="es-ES" dirty="0"/>
+              <a:t>Bosque salvaje: entorno de exploración al que el jugador puede acceder para domesticar un animal, que en cada incursión es aleatorio.</a:t>
+            </a:r>
+          </a:p>
+        </p:txBody>
+      </p:sp>
+    </p:spTree>
+    <p:extLst>
+      <p:ext uri="{BB962C8B-B14F-4D97-AF65-F5344CB8AC3E}">
+        <p14:creationId xmlns:p14="http://schemas.microsoft.com/office/powerpoint/2010/main" val="4289123846"/>
       </p:ext>
     </p:extLst>
   </p:cSld>

--- a/Tukisland.pptx
+++ b/Tukisland.pptx
@@ -261,7 +261,7 @@
           <a:p>
             <a:fld id="{23423902-E5F6-4A0D-9A81-A9BF902CCB85}" type="datetimeFigureOut">
               <a:rPr lang="es-ES" smtClean="0"/>
-              <a:t>17/05/2021</a:t>
+              <a:t>23/05/2021</a:t>
             </a:fld>
             <a:endParaRPr lang="es-ES"/>
           </a:p>
@@ -459,7 +459,7 @@
           <a:p>
             <a:fld id="{23423902-E5F6-4A0D-9A81-A9BF902CCB85}" type="datetimeFigureOut">
               <a:rPr lang="es-ES" smtClean="0"/>
-              <a:t>17/05/2021</a:t>
+              <a:t>23/05/2021</a:t>
             </a:fld>
             <a:endParaRPr lang="es-ES"/>
           </a:p>
@@ -667,7 +667,7 @@
           <a:p>
             <a:fld id="{23423902-E5F6-4A0D-9A81-A9BF902CCB85}" type="datetimeFigureOut">
               <a:rPr lang="es-ES" smtClean="0"/>
-              <a:t>17/05/2021</a:t>
+              <a:t>23/05/2021</a:t>
             </a:fld>
             <a:endParaRPr lang="es-ES"/>
           </a:p>
@@ -865,7 +865,7 @@
           <a:p>
             <a:fld id="{23423902-E5F6-4A0D-9A81-A9BF902CCB85}" type="datetimeFigureOut">
               <a:rPr lang="es-ES" smtClean="0"/>
-              <a:t>17/05/2021</a:t>
+              <a:t>23/05/2021</a:t>
             </a:fld>
             <a:endParaRPr lang="es-ES"/>
           </a:p>
@@ -1140,7 +1140,7 @@
           <a:p>
             <a:fld id="{23423902-E5F6-4A0D-9A81-A9BF902CCB85}" type="datetimeFigureOut">
               <a:rPr lang="es-ES" smtClean="0"/>
-              <a:t>17/05/2021</a:t>
+              <a:t>23/05/2021</a:t>
             </a:fld>
             <a:endParaRPr lang="es-ES"/>
           </a:p>
@@ -1405,7 +1405,7 @@
           <a:p>
             <a:fld id="{23423902-E5F6-4A0D-9A81-A9BF902CCB85}" type="datetimeFigureOut">
               <a:rPr lang="es-ES" smtClean="0"/>
-              <a:t>17/05/2021</a:t>
+              <a:t>23/05/2021</a:t>
             </a:fld>
             <a:endParaRPr lang="es-ES"/>
           </a:p>
@@ -1817,7 +1817,7 @@
           <a:p>
             <a:fld id="{23423902-E5F6-4A0D-9A81-A9BF902CCB85}" type="datetimeFigureOut">
               <a:rPr lang="es-ES" smtClean="0"/>
-              <a:t>17/05/2021</a:t>
+              <a:t>23/05/2021</a:t>
             </a:fld>
             <a:endParaRPr lang="es-ES"/>
           </a:p>
@@ -1958,7 +1958,7 @@
           <a:p>
             <a:fld id="{23423902-E5F6-4A0D-9A81-A9BF902CCB85}" type="datetimeFigureOut">
               <a:rPr lang="es-ES" smtClean="0"/>
-              <a:t>17/05/2021</a:t>
+              <a:t>23/05/2021</a:t>
             </a:fld>
             <a:endParaRPr lang="es-ES"/>
           </a:p>
@@ -2071,7 +2071,7 @@
           <a:p>
             <a:fld id="{23423902-E5F6-4A0D-9A81-A9BF902CCB85}" type="datetimeFigureOut">
               <a:rPr lang="es-ES" smtClean="0"/>
-              <a:t>17/05/2021</a:t>
+              <a:t>23/05/2021</a:t>
             </a:fld>
             <a:endParaRPr lang="es-ES"/>
           </a:p>
@@ -2382,7 +2382,7 @@
           <a:p>
             <a:fld id="{23423902-E5F6-4A0D-9A81-A9BF902CCB85}" type="datetimeFigureOut">
               <a:rPr lang="es-ES" smtClean="0"/>
-              <a:t>17/05/2021</a:t>
+              <a:t>23/05/2021</a:t>
             </a:fld>
             <a:endParaRPr lang="es-ES"/>
           </a:p>
@@ -2670,7 +2670,7 @@
           <a:p>
             <a:fld id="{23423902-E5F6-4A0D-9A81-A9BF902CCB85}" type="datetimeFigureOut">
               <a:rPr lang="es-ES" smtClean="0"/>
-              <a:t>17/05/2021</a:t>
+              <a:t>23/05/2021</a:t>
             </a:fld>
             <a:endParaRPr lang="es-ES"/>
           </a:p>
@@ -2911,7 +2911,7 @@
           <a:p>
             <a:fld id="{23423902-E5F6-4A0D-9A81-A9BF902CCB85}" type="datetimeFigureOut">
               <a:rPr lang="es-ES" smtClean="0"/>
-              <a:t>17/05/2021</a:t>
+              <a:t>23/05/2021</a:t>
             </a:fld>
             <a:endParaRPr lang="es-ES"/>
           </a:p>
@@ -3465,7 +3465,7 @@
           <a:p>
             <a:r>
               <a:rPr lang="es-ES" dirty="0"/>
-              <a:t>-Buscar comida</a:t>
+              <a:t>-Buscar comida*</a:t>
             </a:r>
           </a:p>
           <a:p>
@@ -3477,13 +3477,18 @@
           <a:p>
             <a:r>
               <a:rPr lang="es-ES" dirty="0"/>
-              <a:t>-Detectar presa</a:t>
-            </a:r>
+              <a:t>-</a:t>
+            </a:r>
+            <a:r>
+              <a:rPr lang="es-ES"/>
+              <a:t>Detectar presa*</a:t>
+            </a:r>
+            <a:endParaRPr lang="es-ES" dirty="0"/>
           </a:p>
           <a:p>
             <a:r>
               <a:rPr lang="es-ES" dirty="0"/>
-              <a:t>-Domesticarse</a:t>
+              <a:t>-Domesticarse*</a:t>
             </a:r>
           </a:p>
         </p:txBody>

--- a/Tukisland.pptx
+++ b/Tukisland.pptx
@@ -261,7 +261,7 @@
           <a:p>
             <a:fld id="{23423902-E5F6-4A0D-9A81-A9BF902CCB85}" type="datetimeFigureOut">
               <a:rPr lang="es-ES" smtClean="0"/>
-              <a:t>23/05/2021</a:t>
+              <a:t>29/05/2021</a:t>
             </a:fld>
             <a:endParaRPr lang="es-ES"/>
           </a:p>
@@ -459,7 +459,7 @@
           <a:p>
             <a:fld id="{23423902-E5F6-4A0D-9A81-A9BF902CCB85}" type="datetimeFigureOut">
               <a:rPr lang="es-ES" smtClean="0"/>
-              <a:t>23/05/2021</a:t>
+              <a:t>29/05/2021</a:t>
             </a:fld>
             <a:endParaRPr lang="es-ES"/>
           </a:p>
@@ -667,7 +667,7 @@
           <a:p>
             <a:fld id="{23423902-E5F6-4A0D-9A81-A9BF902CCB85}" type="datetimeFigureOut">
               <a:rPr lang="es-ES" smtClean="0"/>
-              <a:t>23/05/2021</a:t>
+              <a:t>29/05/2021</a:t>
             </a:fld>
             <a:endParaRPr lang="es-ES"/>
           </a:p>
@@ -865,7 +865,7 @@
           <a:p>
             <a:fld id="{23423902-E5F6-4A0D-9A81-A9BF902CCB85}" type="datetimeFigureOut">
               <a:rPr lang="es-ES" smtClean="0"/>
-              <a:t>23/05/2021</a:t>
+              <a:t>29/05/2021</a:t>
             </a:fld>
             <a:endParaRPr lang="es-ES"/>
           </a:p>
@@ -1140,7 +1140,7 @@
           <a:p>
             <a:fld id="{23423902-E5F6-4A0D-9A81-A9BF902CCB85}" type="datetimeFigureOut">
               <a:rPr lang="es-ES" smtClean="0"/>
-              <a:t>23/05/2021</a:t>
+              <a:t>29/05/2021</a:t>
             </a:fld>
             <a:endParaRPr lang="es-ES"/>
           </a:p>
@@ -1405,7 +1405,7 @@
           <a:p>
             <a:fld id="{23423902-E5F6-4A0D-9A81-A9BF902CCB85}" type="datetimeFigureOut">
               <a:rPr lang="es-ES" smtClean="0"/>
-              <a:t>23/05/2021</a:t>
+              <a:t>29/05/2021</a:t>
             </a:fld>
             <a:endParaRPr lang="es-ES"/>
           </a:p>
@@ -1817,7 +1817,7 @@
           <a:p>
             <a:fld id="{23423902-E5F6-4A0D-9A81-A9BF902CCB85}" type="datetimeFigureOut">
               <a:rPr lang="es-ES" smtClean="0"/>
-              <a:t>23/05/2021</a:t>
+              <a:t>29/05/2021</a:t>
             </a:fld>
             <a:endParaRPr lang="es-ES"/>
           </a:p>
@@ -1958,7 +1958,7 @@
           <a:p>
             <a:fld id="{23423902-E5F6-4A0D-9A81-A9BF902CCB85}" type="datetimeFigureOut">
               <a:rPr lang="es-ES" smtClean="0"/>
-              <a:t>23/05/2021</a:t>
+              <a:t>29/05/2021</a:t>
             </a:fld>
             <a:endParaRPr lang="es-ES"/>
           </a:p>
@@ -2071,7 +2071,7 @@
           <a:p>
             <a:fld id="{23423902-E5F6-4A0D-9A81-A9BF902CCB85}" type="datetimeFigureOut">
               <a:rPr lang="es-ES" smtClean="0"/>
-              <a:t>23/05/2021</a:t>
+              <a:t>29/05/2021</a:t>
             </a:fld>
             <a:endParaRPr lang="es-ES"/>
           </a:p>
@@ -2382,7 +2382,7 @@
           <a:p>
             <a:fld id="{23423902-E5F6-4A0D-9A81-A9BF902CCB85}" type="datetimeFigureOut">
               <a:rPr lang="es-ES" smtClean="0"/>
-              <a:t>23/05/2021</a:t>
+              <a:t>29/05/2021</a:t>
             </a:fld>
             <a:endParaRPr lang="es-ES"/>
           </a:p>
@@ -2670,7 +2670,7 @@
           <a:p>
             <a:fld id="{23423902-E5F6-4A0D-9A81-A9BF902CCB85}" type="datetimeFigureOut">
               <a:rPr lang="es-ES" smtClean="0"/>
-              <a:t>23/05/2021</a:t>
+              <a:t>29/05/2021</a:t>
             </a:fld>
             <a:endParaRPr lang="es-ES"/>
           </a:p>
@@ -2911,7 +2911,7 @@
           <a:p>
             <a:fld id="{23423902-E5F6-4A0D-9A81-A9BF902CCB85}" type="datetimeFigureOut">
               <a:rPr lang="es-ES" smtClean="0"/>
-              <a:t>23/05/2021</a:t>
+              <a:t>29/05/2021</a:t>
             </a:fld>
             <a:endParaRPr lang="es-ES"/>
           </a:p>
@@ -3402,7 +3402,7 @@
         <p:spPr>
           <a:xfrm>
             <a:off x="751642" y="470515"/>
-            <a:ext cx="10688715" cy="3416320"/>
+            <a:ext cx="10688715" cy="3970318"/>
           </a:xfrm>
           <a:prstGeom prst="rect">
             <a:avLst/>
@@ -3459,7 +3459,7 @@
           <a:p>
             <a:r>
               <a:rPr lang="es-ES" dirty="0"/>
-              <a:t>-Interactuar con el jugador</a:t>
+              <a:t>-Interactuar con el jugador: detener pelea</a:t>
             </a:r>
           </a:p>
           <a:p>
@@ -3471,25 +3471,33 @@
           <a:p>
             <a:r>
               <a:rPr lang="es-ES" dirty="0"/>
-              <a:t>-Detectar amenaza (animal peligroso)</a:t>
+              <a:t>-Detectar amenaza (animal peligroso)*</a:t>
             </a:r>
           </a:p>
           <a:p>
             <a:r>
               <a:rPr lang="es-ES" dirty="0"/>
-              <a:t>-</a:t>
-            </a:r>
-            <a:r>
-              <a:rPr lang="es-ES"/>
-              <a:t>Detectar presa*</a:t>
-            </a:r>
-            <a:endParaRPr lang="es-ES" dirty="0"/>
+              <a:t>-Detectar presa*</a:t>
+            </a:r>
           </a:p>
           <a:p>
             <a:r>
               <a:rPr lang="es-ES" dirty="0"/>
               <a:t>-Domesticarse*</a:t>
             </a:r>
+          </a:p>
+          <a:p>
+            <a:r>
+              <a:rPr lang="es-ES" dirty="0"/>
+              <a:t>-Jugar</a:t>
+            </a:r>
+          </a:p>
+          <a:p>
+            <a:r>
+              <a:rPr lang="es-ES"/>
+              <a:t>-Detectar aliado</a:t>
+            </a:r>
+            <a:endParaRPr lang="es-ES" dirty="0"/>
           </a:p>
         </p:txBody>
       </p:sp>

--- a/Tukisland.pptx
+++ b/Tukisland.pptx
@@ -8,6 +8,8 @@
     <p:sldId id="256" r:id="rId2"/>
     <p:sldId id="257" r:id="rId3"/>
     <p:sldId id="258" r:id="rId4"/>
+    <p:sldId id="259" r:id="rId5"/>
+    <p:sldId id="260" r:id="rId6"/>
   </p:sldIdLst>
   <p:sldSz cx="12192000" cy="6858000"/>
   <p:notesSz cx="6858000" cy="9144000"/>
@@ -3459,8 +3461,13 @@
           <a:p>
             <a:r>
               <a:rPr lang="es-ES" dirty="0"/>
-              <a:t>-Interactuar con el jugador: detener pelea</a:t>
-            </a:r>
+              <a:t>-Interactuar con el jugador: </a:t>
+            </a:r>
+            <a:r>
+              <a:rPr lang="es-ES"/>
+              <a:t>detener pelea *</a:t>
+            </a:r>
+            <a:endParaRPr lang="es-ES" dirty="0"/>
           </a:p>
           <a:p>
             <a:r>
@@ -3494,10 +3501,9 @@
           </a:p>
           <a:p>
             <a:r>
-              <a:rPr lang="es-ES"/>
+              <a:rPr lang="es-ES" dirty="0"/>
               <a:t>-Detectar aliado</a:t>
             </a:r>
-            <a:endParaRPr lang="es-ES" dirty="0"/>
           </a:p>
         </p:txBody>
       </p:sp>
@@ -3809,6 +3815,1629 @@
     <p:extLst>
       <p:ext uri="{BB962C8B-B14F-4D97-AF65-F5344CB8AC3E}">
         <p14:creationId xmlns:p14="http://schemas.microsoft.com/office/powerpoint/2010/main" val="4289123846"/>
+      </p:ext>
+    </p:extLst>
+  </p:cSld>
+  <p:clrMapOvr>
+    <a:masterClrMapping/>
+  </p:clrMapOvr>
+</p:sld>
+</file>
+
+<file path=ppt/slides/slide4.xml><?xml version="1.0" encoding="utf-8"?>
+<p:sld xmlns:a="http://schemas.openxmlformats.org/drawingml/2006/main" xmlns:r="http://schemas.openxmlformats.org/officeDocument/2006/relationships" xmlns:p="http://schemas.openxmlformats.org/presentationml/2006/main">
+  <p:cSld>
+    <p:spTree>
+      <p:nvGrpSpPr>
+        <p:cNvPr id="1" name=""/>
+        <p:cNvGrpSpPr/>
+        <p:nvPr/>
+      </p:nvGrpSpPr>
+      <p:grpSpPr>
+        <a:xfrm>
+          <a:off x="0" y="0"/>
+          <a:ext cx="0" cy="0"/>
+          <a:chOff x="0" y="0"/>
+          <a:chExt cx="0" cy="0"/>
+        </a:xfrm>
+      </p:grpSpPr>
+      <p:sp>
+        <p:nvSpPr>
+          <p:cNvPr id="2" name="Título 1">
+            <a:extLst>
+              <a:ext uri="{FF2B5EF4-FFF2-40B4-BE49-F238E27FC236}">
+                <a16:creationId xmlns:a16="http://schemas.microsoft.com/office/drawing/2014/main" id="{4B44B3C1-90EE-4F8A-AB91-ECF658898FA1}"/>
+              </a:ext>
+            </a:extLst>
+          </p:cNvPr>
+          <p:cNvSpPr>
+            <a:spLocks noGrp="1"/>
+          </p:cNvSpPr>
+          <p:nvPr>
+            <p:ph type="title"/>
+          </p:nvPr>
+        </p:nvSpPr>
+        <p:spPr>
+          <a:xfrm>
+            <a:off x="838200" y="83444"/>
+            <a:ext cx="10515600" cy="1325563"/>
+          </a:xfrm>
+        </p:spPr>
+        <p:txBody>
+          <a:bodyPr/>
+          <a:lstStyle/>
+          <a:p>
+            <a:r>
+              <a:rPr lang="es-ES" dirty="0" err="1"/>
+              <a:t>Tierlist</a:t>
+            </a:r>
+            <a:endParaRPr lang="es-ES" dirty="0"/>
+          </a:p>
+        </p:txBody>
+      </p:sp>
+      <p:sp>
+        <p:nvSpPr>
+          <p:cNvPr id="3" name="Marcador de contenido 2">
+            <a:extLst>
+              <a:ext uri="{FF2B5EF4-FFF2-40B4-BE49-F238E27FC236}">
+                <a16:creationId xmlns:a16="http://schemas.microsoft.com/office/drawing/2014/main" id="{78D5F485-4F6E-491B-8408-20B61E2911C7}"/>
+              </a:ext>
+            </a:extLst>
+          </p:cNvPr>
+          <p:cNvSpPr>
+            <a:spLocks noGrp="1"/>
+          </p:cNvSpPr>
+          <p:nvPr>
+            <p:ph idx="1"/>
+          </p:nvPr>
+        </p:nvSpPr>
+        <p:spPr>
+          <a:xfrm>
+            <a:off x="838200" y="1035512"/>
+            <a:ext cx="10515600" cy="4351338"/>
+          </a:xfrm>
+        </p:spPr>
+        <p:txBody>
+          <a:bodyPr>
+            <a:normAutofit lnSpcReduction="10000"/>
+          </a:bodyPr>
+          <a:lstStyle/>
+          <a:p>
+            <a:pPr marL="0" indent="0">
+              <a:buNone/>
+            </a:pPr>
+            <a:r>
+              <a:rPr lang="es-ES" dirty="0"/>
+              <a:t>DangerLevel2</a:t>
+            </a:r>
+          </a:p>
+          <a:p>
+            <a:pPr marL="0" indent="0">
+              <a:buNone/>
+            </a:pPr>
+            <a:endParaRPr lang="es-ES" dirty="0"/>
+          </a:p>
+          <a:p>
+            <a:pPr marL="0" indent="0">
+              <a:buNone/>
+            </a:pPr>
+            <a:endParaRPr lang="es-ES" dirty="0"/>
+          </a:p>
+          <a:p>
+            <a:pPr marL="0" indent="0">
+              <a:buNone/>
+            </a:pPr>
+            <a:endParaRPr lang="es-ES" dirty="0"/>
+          </a:p>
+          <a:p>
+            <a:pPr marL="0" indent="0">
+              <a:buNone/>
+            </a:pPr>
+            <a:r>
+              <a:rPr lang="es-ES" dirty="0"/>
+              <a:t>DangerLevel1</a:t>
+            </a:r>
+          </a:p>
+          <a:p>
+            <a:pPr marL="0" indent="0">
+              <a:buNone/>
+            </a:pPr>
+            <a:endParaRPr lang="es-ES" dirty="0"/>
+          </a:p>
+          <a:p>
+            <a:pPr marL="0" indent="0">
+              <a:buNone/>
+            </a:pPr>
+            <a:endParaRPr lang="es-ES" dirty="0"/>
+          </a:p>
+          <a:p>
+            <a:pPr marL="0" indent="0">
+              <a:buNone/>
+            </a:pPr>
+            <a:endParaRPr lang="es-ES" dirty="0"/>
+          </a:p>
+          <a:p>
+            <a:pPr marL="0" indent="0">
+              <a:buNone/>
+            </a:pPr>
+            <a:r>
+              <a:rPr lang="es-ES" dirty="0"/>
+              <a:t>DangerLevel0</a:t>
+            </a:r>
+          </a:p>
+        </p:txBody>
+      </p:sp>
+      <p:pic>
+        <p:nvPicPr>
+          <p:cNvPr id="5" name="Imagen 4">
+            <a:extLst>
+              <a:ext uri="{FF2B5EF4-FFF2-40B4-BE49-F238E27FC236}">
+                <a16:creationId xmlns:a16="http://schemas.microsoft.com/office/drawing/2014/main" id="{32F8A3BC-BB29-4DAD-87B5-BCE0BE83A3BC}"/>
+              </a:ext>
+            </a:extLst>
+          </p:cNvPr>
+          <p:cNvPicPr>
+            <a:picLocks noChangeAspect="1"/>
+          </p:cNvPicPr>
+          <p:nvPr/>
+        </p:nvPicPr>
+        <p:blipFill>
+          <a:blip r:embed="rId2">
+            <a:extLst>
+              <a:ext uri="{28A0092B-C50C-407E-A947-70E740481C1C}">
+                <a14:useLocalDpi xmlns:a14="http://schemas.microsoft.com/office/drawing/2010/main" val="0"/>
+              </a:ext>
+            </a:extLst>
+          </a:blip>
+          <a:stretch>
+            <a:fillRect/>
+          </a:stretch>
+        </p:blipFill>
+        <p:spPr>
+          <a:xfrm>
+            <a:off x="5172816" y="5176779"/>
+            <a:ext cx="1222662" cy="1697027"/>
+          </a:xfrm>
+          <a:prstGeom prst="rect">
+            <a:avLst/>
+          </a:prstGeom>
+        </p:spPr>
+      </p:pic>
+      <p:pic>
+        <p:nvPicPr>
+          <p:cNvPr id="7" name="Imagen 6">
+            <a:extLst>
+              <a:ext uri="{FF2B5EF4-FFF2-40B4-BE49-F238E27FC236}">
+                <a16:creationId xmlns:a16="http://schemas.microsoft.com/office/drawing/2014/main" id="{C7131CF6-FC57-49E1-97F2-3271575067E9}"/>
+              </a:ext>
+            </a:extLst>
+          </p:cNvPr>
+          <p:cNvPicPr>
+            <a:picLocks noChangeAspect="1"/>
+          </p:cNvPicPr>
+          <p:nvPr/>
+        </p:nvPicPr>
+        <p:blipFill>
+          <a:blip r:embed="rId3">
+            <a:extLst>
+              <a:ext uri="{28A0092B-C50C-407E-A947-70E740481C1C}">
+                <a14:useLocalDpi xmlns:a14="http://schemas.microsoft.com/office/drawing/2010/main" val="0"/>
+              </a:ext>
+            </a:extLst>
+          </a:blip>
+          <a:stretch>
+            <a:fillRect/>
+          </a:stretch>
+        </p:blipFill>
+        <p:spPr>
+          <a:xfrm>
+            <a:off x="1102582" y="5216371"/>
+            <a:ext cx="1723710" cy="1641629"/>
+          </a:xfrm>
+          <a:prstGeom prst="rect">
+            <a:avLst/>
+          </a:prstGeom>
+        </p:spPr>
+      </p:pic>
+      <p:pic>
+        <p:nvPicPr>
+          <p:cNvPr id="9" name="Imagen 8">
+            <a:extLst>
+              <a:ext uri="{FF2B5EF4-FFF2-40B4-BE49-F238E27FC236}">
+                <a16:creationId xmlns:a16="http://schemas.microsoft.com/office/drawing/2014/main" id="{E1EDDC9D-6800-43D6-94D0-B31D492055F6}"/>
+              </a:ext>
+            </a:extLst>
+          </p:cNvPr>
+          <p:cNvPicPr>
+            <a:picLocks noChangeAspect="1"/>
+          </p:cNvPicPr>
+          <p:nvPr/>
+        </p:nvPicPr>
+        <p:blipFill>
+          <a:blip r:embed="rId4">
+            <a:extLst>
+              <a:ext uri="{28A0092B-C50C-407E-A947-70E740481C1C}">
+                <a14:useLocalDpi xmlns:a14="http://schemas.microsoft.com/office/drawing/2010/main" val="0"/>
+              </a:ext>
+            </a:extLst>
+          </a:blip>
+          <a:stretch>
+            <a:fillRect/>
+          </a:stretch>
+        </p:blipFill>
+        <p:spPr>
+          <a:xfrm>
+            <a:off x="4469992" y="3360874"/>
+            <a:ext cx="1079159" cy="1381125"/>
+          </a:xfrm>
+          <a:prstGeom prst="rect">
+            <a:avLst/>
+          </a:prstGeom>
+        </p:spPr>
+      </p:pic>
+      <p:pic>
+        <p:nvPicPr>
+          <p:cNvPr id="11" name="Imagen 10">
+            <a:extLst>
+              <a:ext uri="{FF2B5EF4-FFF2-40B4-BE49-F238E27FC236}">
+                <a16:creationId xmlns:a16="http://schemas.microsoft.com/office/drawing/2014/main" id="{FCC98574-8AD9-4092-8014-ED6142695435}"/>
+              </a:ext>
+            </a:extLst>
+          </p:cNvPr>
+          <p:cNvPicPr>
+            <a:picLocks noChangeAspect="1"/>
+          </p:cNvPicPr>
+          <p:nvPr/>
+        </p:nvPicPr>
+        <p:blipFill>
+          <a:blip r:embed="rId5">
+            <a:extLst>
+              <a:ext uri="{28A0092B-C50C-407E-A947-70E740481C1C}">
+                <a14:useLocalDpi xmlns:a14="http://schemas.microsoft.com/office/drawing/2010/main" val="0"/>
+              </a:ext>
+            </a:extLst>
+          </a:blip>
+          <a:stretch>
+            <a:fillRect/>
+          </a:stretch>
+        </p:blipFill>
+        <p:spPr>
+          <a:xfrm>
+            <a:off x="2964252" y="3375593"/>
+            <a:ext cx="1108382" cy="1381125"/>
+          </a:xfrm>
+          <a:prstGeom prst="rect">
+            <a:avLst/>
+          </a:prstGeom>
+        </p:spPr>
+      </p:pic>
+      <p:pic>
+        <p:nvPicPr>
+          <p:cNvPr id="13" name="Imagen 12">
+            <a:extLst>
+              <a:ext uri="{FF2B5EF4-FFF2-40B4-BE49-F238E27FC236}">
+                <a16:creationId xmlns:a16="http://schemas.microsoft.com/office/drawing/2014/main" id="{8308D717-33B3-4355-BA75-3A78C5E1E6BA}"/>
+              </a:ext>
+            </a:extLst>
+          </p:cNvPr>
+          <p:cNvPicPr>
+            <a:picLocks noChangeAspect="1"/>
+          </p:cNvPicPr>
+          <p:nvPr/>
+        </p:nvPicPr>
+        <p:blipFill>
+          <a:blip r:embed="rId6">
+            <a:extLst>
+              <a:ext uri="{28A0092B-C50C-407E-A947-70E740481C1C}">
+                <a14:useLocalDpi xmlns:a14="http://schemas.microsoft.com/office/drawing/2010/main" val="0"/>
+              </a:ext>
+            </a:extLst>
+          </a:blip>
+          <a:stretch>
+            <a:fillRect/>
+          </a:stretch>
+        </p:blipFill>
+        <p:spPr>
+          <a:xfrm>
+            <a:off x="1361981" y="1471150"/>
+            <a:ext cx="1436797" cy="1415353"/>
+          </a:xfrm>
+          <a:prstGeom prst="rect">
+            <a:avLst/>
+          </a:prstGeom>
+        </p:spPr>
+      </p:pic>
+      <p:pic>
+        <p:nvPicPr>
+          <p:cNvPr id="15" name="Imagen 14">
+            <a:extLst>
+              <a:ext uri="{FF2B5EF4-FFF2-40B4-BE49-F238E27FC236}">
+                <a16:creationId xmlns:a16="http://schemas.microsoft.com/office/drawing/2014/main" id="{53986831-5849-44D0-924D-12F57283ADD0}"/>
+              </a:ext>
+            </a:extLst>
+          </p:cNvPr>
+          <p:cNvPicPr>
+            <a:picLocks noChangeAspect="1"/>
+          </p:cNvPicPr>
+          <p:nvPr/>
+        </p:nvPicPr>
+        <p:blipFill>
+          <a:blip r:embed="rId7">
+            <a:extLst>
+              <a:ext uri="{28A0092B-C50C-407E-A947-70E740481C1C}">
+                <a14:useLocalDpi xmlns:a14="http://schemas.microsoft.com/office/drawing/2010/main" val="0"/>
+              </a:ext>
+            </a:extLst>
+          </a:blip>
+          <a:stretch>
+            <a:fillRect/>
+          </a:stretch>
+        </p:blipFill>
+        <p:spPr>
+          <a:xfrm>
+            <a:off x="3253481" y="1471150"/>
+            <a:ext cx="1177125" cy="1415353"/>
+          </a:xfrm>
+          <a:prstGeom prst="rect">
+            <a:avLst/>
+          </a:prstGeom>
+        </p:spPr>
+      </p:pic>
+      <p:pic>
+        <p:nvPicPr>
+          <p:cNvPr id="17" name="Imagen 16">
+            <a:extLst>
+              <a:ext uri="{FF2B5EF4-FFF2-40B4-BE49-F238E27FC236}">
+                <a16:creationId xmlns:a16="http://schemas.microsoft.com/office/drawing/2014/main" id="{6F473267-8594-4401-86F5-7D249995A844}"/>
+              </a:ext>
+            </a:extLst>
+          </p:cNvPr>
+          <p:cNvPicPr>
+            <a:picLocks noChangeAspect="1"/>
+          </p:cNvPicPr>
+          <p:nvPr/>
+        </p:nvPicPr>
+        <p:blipFill>
+          <a:blip r:embed="rId8">
+            <a:extLst>
+              <a:ext uri="{28A0092B-C50C-407E-A947-70E740481C1C}">
+                <a14:useLocalDpi xmlns:a14="http://schemas.microsoft.com/office/drawing/2010/main" val="0"/>
+              </a:ext>
+            </a:extLst>
+          </a:blip>
+          <a:stretch>
+            <a:fillRect/>
+          </a:stretch>
+        </p:blipFill>
+        <p:spPr>
+          <a:xfrm>
+            <a:off x="1361981" y="3375594"/>
+            <a:ext cx="1204913" cy="1381125"/>
+          </a:xfrm>
+          <a:prstGeom prst="rect">
+            <a:avLst/>
+          </a:prstGeom>
+        </p:spPr>
+      </p:pic>
+      <p:pic>
+        <p:nvPicPr>
+          <p:cNvPr id="19" name="Imagen 18">
+            <a:extLst>
+              <a:ext uri="{FF2B5EF4-FFF2-40B4-BE49-F238E27FC236}">
+                <a16:creationId xmlns:a16="http://schemas.microsoft.com/office/drawing/2014/main" id="{7D80B673-5925-43FD-B891-3429A94A6756}"/>
+              </a:ext>
+            </a:extLst>
+          </p:cNvPr>
+          <p:cNvPicPr>
+            <a:picLocks noChangeAspect="1"/>
+          </p:cNvPicPr>
+          <p:nvPr/>
+        </p:nvPicPr>
+        <p:blipFill>
+          <a:blip r:embed="rId9">
+            <a:extLst>
+              <a:ext uri="{28A0092B-C50C-407E-A947-70E740481C1C}">
+                <a14:useLocalDpi xmlns:a14="http://schemas.microsoft.com/office/drawing/2010/main" val="0"/>
+              </a:ext>
+            </a:extLst>
+          </a:blip>
+          <a:stretch>
+            <a:fillRect/>
+          </a:stretch>
+        </p:blipFill>
+        <p:spPr>
+          <a:xfrm>
+            <a:off x="3333179" y="5176779"/>
+            <a:ext cx="1332750" cy="1681221"/>
+          </a:xfrm>
+          <a:prstGeom prst="rect">
+            <a:avLst/>
+          </a:prstGeom>
+        </p:spPr>
+      </p:pic>
+    </p:spTree>
+    <p:extLst>
+      <p:ext uri="{BB962C8B-B14F-4D97-AF65-F5344CB8AC3E}">
+        <p14:creationId xmlns:p14="http://schemas.microsoft.com/office/powerpoint/2010/main" val="2356560845"/>
+      </p:ext>
+    </p:extLst>
+  </p:cSld>
+  <p:clrMapOvr>
+    <a:masterClrMapping/>
+  </p:clrMapOvr>
+</p:sld>
+</file>
+
+<file path=ppt/slides/slide5.xml><?xml version="1.0" encoding="utf-8"?>
+<p:sld xmlns:a="http://schemas.openxmlformats.org/drawingml/2006/main" xmlns:r="http://schemas.openxmlformats.org/officeDocument/2006/relationships" xmlns:p="http://schemas.openxmlformats.org/presentationml/2006/main">
+  <p:cSld>
+    <p:spTree>
+      <p:nvGrpSpPr>
+        <p:cNvPr id="1" name=""/>
+        <p:cNvGrpSpPr/>
+        <p:nvPr/>
+      </p:nvGrpSpPr>
+      <p:grpSpPr>
+        <a:xfrm>
+          <a:off x="0" y="0"/>
+          <a:ext cx="0" cy="0"/>
+          <a:chOff x="0" y="0"/>
+          <a:chExt cx="0" cy="0"/>
+        </a:xfrm>
+      </p:grpSpPr>
+      <p:sp>
+        <p:nvSpPr>
+          <p:cNvPr id="2" name="Título 1">
+            <a:extLst>
+              <a:ext uri="{FF2B5EF4-FFF2-40B4-BE49-F238E27FC236}">
+                <a16:creationId xmlns:a16="http://schemas.microsoft.com/office/drawing/2014/main" id="{90A88692-2CF0-4A8F-BD30-E8E05D83E848}"/>
+              </a:ext>
+            </a:extLst>
+          </p:cNvPr>
+          <p:cNvSpPr>
+            <a:spLocks noGrp="1"/>
+          </p:cNvSpPr>
+          <p:nvPr>
+            <p:ph type="title"/>
+          </p:nvPr>
+        </p:nvSpPr>
+        <p:spPr>
+          <a:xfrm>
+            <a:off x="838200" y="0"/>
+            <a:ext cx="10515600" cy="1325563"/>
+          </a:xfrm>
+        </p:spPr>
+        <p:txBody>
+          <a:bodyPr/>
+          <a:lstStyle/>
+          <a:p>
+            <a:r>
+              <a:rPr lang="es-ES" dirty="0"/>
+              <a:t>Alimentación</a:t>
+            </a:r>
+          </a:p>
+        </p:txBody>
+      </p:sp>
+      <p:pic>
+        <p:nvPicPr>
+          <p:cNvPr id="5" name="Imagen 4">
+            <a:extLst>
+              <a:ext uri="{FF2B5EF4-FFF2-40B4-BE49-F238E27FC236}">
+                <a16:creationId xmlns:a16="http://schemas.microsoft.com/office/drawing/2014/main" id="{00F423FC-98E1-4F44-A3A9-4ED7CD077D5A}"/>
+              </a:ext>
+            </a:extLst>
+          </p:cNvPr>
+          <p:cNvPicPr>
+            <a:picLocks noChangeAspect="1"/>
+          </p:cNvPicPr>
+          <p:nvPr/>
+        </p:nvPicPr>
+        <p:blipFill>
+          <a:blip r:embed="rId2">
+            <a:extLst>
+              <a:ext uri="{28A0092B-C50C-407E-A947-70E740481C1C}">
+                <a14:useLocalDpi xmlns:a14="http://schemas.microsoft.com/office/drawing/2010/main" val="0"/>
+              </a:ext>
+            </a:extLst>
+          </a:blip>
+          <a:stretch>
+            <a:fillRect/>
+          </a:stretch>
+        </p:blipFill>
+        <p:spPr>
+          <a:xfrm>
+            <a:off x="9125943" y="3763425"/>
+            <a:ext cx="1142904" cy="1462707"/>
+          </a:xfrm>
+          <a:prstGeom prst="rect">
+            <a:avLst/>
+          </a:prstGeom>
+        </p:spPr>
+      </p:pic>
+      <p:pic>
+        <p:nvPicPr>
+          <p:cNvPr id="7" name="Imagen 6">
+            <a:extLst>
+              <a:ext uri="{FF2B5EF4-FFF2-40B4-BE49-F238E27FC236}">
+                <a16:creationId xmlns:a16="http://schemas.microsoft.com/office/drawing/2014/main" id="{E1AF3F52-7700-4F6A-A428-DAC6DDDE6783}"/>
+              </a:ext>
+            </a:extLst>
+          </p:cNvPr>
+          <p:cNvPicPr>
+            <a:picLocks noChangeAspect="1"/>
+          </p:cNvPicPr>
+          <p:nvPr/>
+        </p:nvPicPr>
+        <p:blipFill>
+          <a:blip r:embed="rId3">
+            <a:extLst>
+              <a:ext uri="{28A0092B-C50C-407E-A947-70E740481C1C}">
+                <a14:useLocalDpi xmlns:a14="http://schemas.microsoft.com/office/drawing/2010/main" val="0"/>
+              </a:ext>
+            </a:extLst>
+          </a:blip>
+          <a:stretch>
+            <a:fillRect/>
+          </a:stretch>
+        </p:blipFill>
+        <p:spPr>
+          <a:xfrm>
+            <a:off x="3310925" y="3763425"/>
+            <a:ext cx="1221419" cy="1521977"/>
+          </a:xfrm>
+          <a:prstGeom prst="rect">
+            <a:avLst/>
+          </a:prstGeom>
+        </p:spPr>
+      </p:pic>
+      <p:pic>
+        <p:nvPicPr>
+          <p:cNvPr id="9" name="Imagen 8">
+            <a:extLst>
+              <a:ext uri="{FF2B5EF4-FFF2-40B4-BE49-F238E27FC236}">
+                <a16:creationId xmlns:a16="http://schemas.microsoft.com/office/drawing/2014/main" id="{FEF6E97B-7584-4DFF-9257-A2CAB5B21351}"/>
+              </a:ext>
+            </a:extLst>
+          </p:cNvPr>
+          <p:cNvPicPr>
+            <a:picLocks noChangeAspect="1"/>
+          </p:cNvPicPr>
+          <p:nvPr/>
+        </p:nvPicPr>
+        <p:blipFill>
+          <a:blip r:embed="rId4">
+            <a:extLst>
+              <a:ext uri="{28A0092B-C50C-407E-A947-70E740481C1C}">
+                <a14:useLocalDpi xmlns:a14="http://schemas.microsoft.com/office/drawing/2010/main" val="0"/>
+              </a:ext>
+            </a:extLst>
+          </a:blip>
+          <a:stretch>
+            <a:fillRect/>
+          </a:stretch>
+        </p:blipFill>
+        <p:spPr>
+          <a:xfrm>
+            <a:off x="6056625" y="3763426"/>
+            <a:ext cx="1545037" cy="1521976"/>
+          </a:xfrm>
+          <a:prstGeom prst="rect">
+            <a:avLst/>
+          </a:prstGeom>
+        </p:spPr>
+      </p:pic>
+      <p:pic>
+        <p:nvPicPr>
+          <p:cNvPr id="11" name="Imagen 10">
+            <a:extLst>
+              <a:ext uri="{FF2B5EF4-FFF2-40B4-BE49-F238E27FC236}">
+                <a16:creationId xmlns:a16="http://schemas.microsoft.com/office/drawing/2014/main" id="{60EE4C73-E0E9-46B6-9374-D8E3475D7E7C}"/>
+              </a:ext>
+            </a:extLst>
+          </p:cNvPr>
+          <p:cNvPicPr>
+            <a:picLocks noChangeAspect="1"/>
+          </p:cNvPicPr>
+          <p:nvPr/>
+        </p:nvPicPr>
+        <p:blipFill>
+          <a:blip r:embed="rId5">
+            <a:extLst>
+              <a:ext uri="{28A0092B-C50C-407E-A947-70E740481C1C}">
+                <a14:useLocalDpi xmlns:a14="http://schemas.microsoft.com/office/drawing/2010/main" val="0"/>
+              </a:ext>
+            </a:extLst>
+          </a:blip>
+          <a:stretch>
+            <a:fillRect/>
+          </a:stretch>
+        </p:blipFill>
+        <p:spPr>
+          <a:xfrm>
+            <a:off x="838200" y="3816790"/>
+            <a:ext cx="1221419" cy="1468611"/>
+          </a:xfrm>
+          <a:prstGeom prst="rect">
+            <a:avLst/>
+          </a:prstGeom>
+        </p:spPr>
+      </p:pic>
+      <p:pic>
+        <p:nvPicPr>
+          <p:cNvPr id="13" name="Imagen 12">
+            <a:extLst>
+              <a:ext uri="{FF2B5EF4-FFF2-40B4-BE49-F238E27FC236}">
+                <a16:creationId xmlns:a16="http://schemas.microsoft.com/office/drawing/2014/main" id="{81762B65-76E0-4E8A-8CEE-EFB409F27CB0}"/>
+              </a:ext>
+            </a:extLst>
+          </p:cNvPr>
+          <p:cNvPicPr>
+            <a:picLocks noChangeAspect="1"/>
+          </p:cNvPicPr>
+          <p:nvPr/>
+        </p:nvPicPr>
+        <p:blipFill>
+          <a:blip r:embed="rId6">
+            <a:extLst>
+              <a:ext uri="{28A0092B-C50C-407E-A947-70E740481C1C}">
+                <a14:useLocalDpi xmlns:a14="http://schemas.microsoft.com/office/drawing/2010/main" val="0"/>
+              </a:ext>
+            </a:extLst>
+          </a:blip>
+          <a:stretch>
+            <a:fillRect/>
+          </a:stretch>
+        </p:blipFill>
+        <p:spPr>
+          <a:xfrm>
+            <a:off x="9125943" y="1323003"/>
+            <a:ext cx="1156750" cy="1325918"/>
+          </a:xfrm>
+          <a:prstGeom prst="rect">
+            <a:avLst/>
+          </a:prstGeom>
+        </p:spPr>
+      </p:pic>
+      <p:pic>
+        <p:nvPicPr>
+          <p:cNvPr id="15" name="Imagen 14">
+            <a:extLst>
+              <a:ext uri="{FF2B5EF4-FFF2-40B4-BE49-F238E27FC236}">
+                <a16:creationId xmlns:a16="http://schemas.microsoft.com/office/drawing/2014/main" id="{29E99434-937D-49B6-A0A7-3CDDD2CA8FF4}"/>
+              </a:ext>
+            </a:extLst>
+          </p:cNvPr>
+          <p:cNvPicPr>
+            <a:picLocks noChangeAspect="1"/>
+          </p:cNvPicPr>
+          <p:nvPr/>
+        </p:nvPicPr>
+        <p:blipFill>
+          <a:blip r:embed="rId7">
+            <a:extLst>
+              <a:ext uri="{28A0092B-C50C-407E-A947-70E740481C1C}">
+                <a14:useLocalDpi xmlns:a14="http://schemas.microsoft.com/office/drawing/2010/main" val="0"/>
+              </a:ext>
+            </a:extLst>
+          </a:blip>
+          <a:stretch>
+            <a:fillRect/>
+          </a:stretch>
+        </p:blipFill>
+        <p:spPr>
+          <a:xfrm>
+            <a:off x="6062704" y="1323003"/>
+            <a:ext cx="1051091" cy="1325918"/>
+          </a:xfrm>
+          <a:prstGeom prst="rect">
+            <a:avLst/>
+          </a:prstGeom>
+        </p:spPr>
+      </p:pic>
+      <p:pic>
+        <p:nvPicPr>
+          <p:cNvPr id="17" name="Imagen 16">
+            <a:extLst>
+              <a:ext uri="{FF2B5EF4-FFF2-40B4-BE49-F238E27FC236}">
+                <a16:creationId xmlns:a16="http://schemas.microsoft.com/office/drawing/2014/main" id="{8BA3D057-94FB-4CFF-B436-1971088DDD24}"/>
+              </a:ext>
+            </a:extLst>
+          </p:cNvPr>
+          <p:cNvPicPr>
+            <a:picLocks noChangeAspect="1"/>
+          </p:cNvPicPr>
+          <p:nvPr/>
+        </p:nvPicPr>
+        <p:blipFill>
+          <a:blip r:embed="rId8">
+            <a:extLst>
+              <a:ext uri="{28A0092B-C50C-407E-A947-70E740481C1C}">
+                <a14:useLocalDpi xmlns:a14="http://schemas.microsoft.com/office/drawing/2010/main" val="0"/>
+              </a:ext>
+            </a:extLst>
+          </a:blip>
+          <a:stretch>
+            <a:fillRect/>
+          </a:stretch>
+        </p:blipFill>
+        <p:spPr>
+          <a:xfrm>
+            <a:off x="3310925" y="1323358"/>
+            <a:ext cx="955031" cy="1325563"/>
+          </a:xfrm>
+          <a:prstGeom prst="rect">
+            <a:avLst/>
+          </a:prstGeom>
+        </p:spPr>
+      </p:pic>
+      <p:pic>
+        <p:nvPicPr>
+          <p:cNvPr id="19" name="Imagen 18">
+            <a:extLst>
+              <a:ext uri="{FF2B5EF4-FFF2-40B4-BE49-F238E27FC236}">
+                <a16:creationId xmlns:a16="http://schemas.microsoft.com/office/drawing/2014/main" id="{DF4D6194-B6FD-4DB4-8347-05FDF36876BD}"/>
+              </a:ext>
+            </a:extLst>
+          </p:cNvPr>
+          <p:cNvPicPr>
+            <a:picLocks noChangeAspect="1"/>
+          </p:cNvPicPr>
+          <p:nvPr/>
+        </p:nvPicPr>
+        <p:blipFill>
+          <a:blip r:embed="rId9">
+            <a:extLst>
+              <a:ext uri="{28A0092B-C50C-407E-A947-70E740481C1C}">
+                <a14:useLocalDpi xmlns:a14="http://schemas.microsoft.com/office/drawing/2010/main" val="0"/>
+              </a:ext>
+            </a:extLst>
+          </a:blip>
+          <a:stretch>
+            <a:fillRect/>
+          </a:stretch>
+        </p:blipFill>
+        <p:spPr>
+          <a:xfrm>
+            <a:off x="838200" y="1325563"/>
+            <a:ext cx="1391842" cy="1325563"/>
+          </a:xfrm>
+          <a:prstGeom prst="rect">
+            <a:avLst/>
+          </a:prstGeom>
+        </p:spPr>
+      </p:pic>
+      <p:pic>
+        <p:nvPicPr>
+          <p:cNvPr id="21" name="Imagen 20">
+            <a:extLst>
+              <a:ext uri="{FF2B5EF4-FFF2-40B4-BE49-F238E27FC236}">
+                <a16:creationId xmlns:a16="http://schemas.microsoft.com/office/drawing/2014/main" id="{1C956725-CAA8-41F4-9B37-E55407810979}"/>
+              </a:ext>
+            </a:extLst>
+          </p:cNvPr>
+          <p:cNvPicPr>
+            <a:picLocks noChangeAspect="1"/>
+          </p:cNvPicPr>
+          <p:nvPr/>
+        </p:nvPicPr>
+        <p:blipFill>
+          <a:blip r:embed="rId10">
+            <a:extLst>
+              <a:ext uri="{28A0092B-C50C-407E-A947-70E740481C1C}">
+                <a14:useLocalDpi xmlns:a14="http://schemas.microsoft.com/office/drawing/2010/main" val="0"/>
+              </a:ext>
+            </a:extLst>
+          </a:blip>
+          <a:stretch>
+            <a:fillRect/>
+          </a:stretch>
+        </p:blipFill>
+        <p:spPr>
+          <a:xfrm>
+            <a:off x="9125943" y="2715065"/>
+            <a:ext cx="379510" cy="379510"/>
+          </a:xfrm>
+          <a:prstGeom prst="rect">
+            <a:avLst/>
+          </a:prstGeom>
+        </p:spPr>
+      </p:pic>
+      <p:pic>
+        <p:nvPicPr>
+          <p:cNvPr id="22" name="Imagen 21">
+            <a:extLst>
+              <a:ext uri="{FF2B5EF4-FFF2-40B4-BE49-F238E27FC236}">
+                <a16:creationId xmlns:a16="http://schemas.microsoft.com/office/drawing/2014/main" id="{3A1A6EB2-3402-4A80-90BB-161ABDC857E2}"/>
+              </a:ext>
+            </a:extLst>
+          </p:cNvPr>
+          <p:cNvPicPr>
+            <a:picLocks noChangeAspect="1"/>
+          </p:cNvPicPr>
+          <p:nvPr/>
+        </p:nvPicPr>
+        <p:blipFill>
+          <a:blip r:embed="rId10">
+            <a:extLst>
+              <a:ext uri="{28A0092B-C50C-407E-A947-70E740481C1C}">
+                <a14:useLocalDpi xmlns:a14="http://schemas.microsoft.com/office/drawing/2010/main" val="0"/>
+              </a:ext>
+            </a:extLst>
+          </a:blip>
+          <a:stretch>
+            <a:fillRect/>
+          </a:stretch>
+        </p:blipFill>
+        <p:spPr>
+          <a:xfrm>
+            <a:off x="838200" y="5342682"/>
+            <a:ext cx="379510" cy="379510"/>
+          </a:xfrm>
+          <a:prstGeom prst="rect">
+            <a:avLst/>
+          </a:prstGeom>
+        </p:spPr>
+      </p:pic>
+      <p:pic>
+        <p:nvPicPr>
+          <p:cNvPr id="23" name="Imagen 22">
+            <a:extLst>
+              <a:ext uri="{FF2B5EF4-FFF2-40B4-BE49-F238E27FC236}">
+                <a16:creationId xmlns:a16="http://schemas.microsoft.com/office/drawing/2014/main" id="{932948B6-E3A0-466B-9AE3-02A97D01BAA8}"/>
+              </a:ext>
+            </a:extLst>
+          </p:cNvPr>
+          <p:cNvPicPr>
+            <a:picLocks noChangeAspect="1"/>
+          </p:cNvPicPr>
+          <p:nvPr/>
+        </p:nvPicPr>
+        <p:blipFill>
+          <a:blip r:embed="rId10">
+            <a:extLst>
+              <a:ext uri="{28A0092B-C50C-407E-A947-70E740481C1C}">
+                <a14:useLocalDpi xmlns:a14="http://schemas.microsoft.com/office/drawing/2010/main" val="0"/>
+              </a:ext>
+            </a:extLst>
+          </a:blip>
+          <a:stretch>
+            <a:fillRect/>
+          </a:stretch>
+        </p:blipFill>
+        <p:spPr>
+          <a:xfrm>
+            <a:off x="6056625" y="2720038"/>
+            <a:ext cx="379510" cy="379510"/>
+          </a:xfrm>
+          <a:prstGeom prst="rect">
+            <a:avLst/>
+          </a:prstGeom>
+        </p:spPr>
+      </p:pic>
+      <p:pic>
+        <p:nvPicPr>
+          <p:cNvPr id="25" name="Imagen 24">
+            <a:extLst>
+              <a:ext uri="{FF2B5EF4-FFF2-40B4-BE49-F238E27FC236}">
+                <a16:creationId xmlns:a16="http://schemas.microsoft.com/office/drawing/2014/main" id="{35F5B791-36D8-4BAB-8D6D-749A87419F1B}"/>
+              </a:ext>
+            </a:extLst>
+          </p:cNvPr>
+          <p:cNvPicPr>
+            <a:picLocks noChangeAspect="1"/>
+          </p:cNvPicPr>
+          <p:nvPr/>
+        </p:nvPicPr>
+        <p:blipFill>
+          <a:blip r:embed="rId11">
+            <a:extLst>
+              <a:ext uri="{28A0092B-C50C-407E-A947-70E740481C1C}">
+                <a14:useLocalDpi xmlns:a14="http://schemas.microsoft.com/office/drawing/2010/main" val="0"/>
+              </a:ext>
+            </a:extLst>
+          </a:blip>
+          <a:stretch>
+            <a:fillRect/>
+          </a:stretch>
+        </p:blipFill>
+        <p:spPr>
+          <a:xfrm>
+            <a:off x="6449632" y="2715063"/>
+            <a:ext cx="379511" cy="379511"/>
+          </a:xfrm>
+          <a:prstGeom prst="rect">
+            <a:avLst/>
+          </a:prstGeom>
+        </p:spPr>
+      </p:pic>
+      <p:pic>
+        <p:nvPicPr>
+          <p:cNvPr id="26" name="Imagen 25">
+            <a:extLst>
+              <a:ext uri="{FF2B5EF4-FFF2-40B4-BE49-F238E27FC236}">
+                <a16:creationId xmlns:a16="http://schemas.microsoft.com/office/drawing/2014/main" id="{5BF7D80A-1090-4315-813A-7ED07A46755F}"/>
+              </a:ext>
+            </a:extLst>
+          </p:cNvPr>
+          <p:cNvPicPr>
+            <a:picLocks noChangeAspect="1"/>
+          </p:cNvPicPr>
+          <p:nvPr/>
+        </p:nvPicPr>
+        <p:blipFill>
+          <a:blip r:embed="rId11">
+            <a:extLst>
+              <a:ext uri="{28A0092B-C50C-407E-A947-70E740481C1C}">
+                <a14:useLocalDpi xmlns:a14="http://schemas.microsoft.com/office/drawing/2010/main" val="0"/>
+              </a:ext>
+            </a:extLst>
+          </a:blip>
+          <a:stretch>
+            <a:fillRect/>
+          </a:stretch>
+        </p:blipFill>
+        <p:spPr>
+          <a:xfrm>
+            <a:off x="3310925" y="2715062"/>
+            <a:ext cx="379511" cy="379511"/>
+          </a:xfrm>
+          <a:prstGeom prst="rect">
+            <a:avLst/>
+          </a:prstGeom>
+        </p:spPr>
+      </p:pic>
+      <p:pic>
+        <p:nvPicPr>
+          <p:cNvPr id="28" name="Imagen 27">
+            <a:extLst>
+              <a:ext uri="{FF2B5EF4-FFF2-40B4-BE49-F238E27FC236}">
+                <a16:creationId xmlns:a16="http://schemas.microsoft.com/office/drawing/2014/main" id="{7C45EA0B-4A93-4EE8-ACAA-1B5CE663C63E}"/>
+              </a:ext>
+            </a:extLst>
+          </p:cNvPr>
+          <p:cNvPicPr>
+            <a:picLocks noChangeAspect="1"/>
+          </p:cNvPicPr>
+          <p:nvPr/>
+        </p:nvPicPr>
+        <p:blipFill>
+          <a:blip r:embed="rId12">
+            <a:extLst>
+              <a:ext uri="{28A0092B-C50C-407E-A947-70E740481C1C}">
+                <a14:useLocalDpi xmlns:a14="http://schemas.microsoft.com/office/drawing/2010/main" val="0"/>
+              </a:ext>
+            </a:extLst>
+          </a:blip>
+          <a:stretch>
+            <a:fillRect/>
+          </a:stretch>
+        </p:blipFill>
+        <p:spPr>
+          <a:xfrm>
+            <a:off x="9625340" y="2696984"/>
+            <a:ext cx="415666" cy="415666"/>
+          </a:xfrm>
+          <a:prstGeom prst="rect">
+            <a:avLst/>
+          </a:prstGeom>
+        </p:spPr>
+      </p:pic>
+      <p:pic>
+        <p:nvPicPr>
+          <p:cNvPr id="30" name="Imagen 29">
+            <a:extLst>
+              <a:ext uri="{FF2B5EF4-FFF2-40B4-BE49-F238E27FC236}">
+                <a16:creationId xmlns:a16="http://schemas.microsoft.com/office/drawing/2014/main" id="{EAC667B0-C838-4594-B1CE-08842BA0EAC9}"/>
+              </a:ext>
+            </a:extLst>
+          </p:cNvPr>
+          <p:cNvPicPr>
+            <a:picLocks noChangeAspect="1"/>
+          </p:cNvPicPr>
+          <p:nvPr/>
+        </p:nvPicPr>
+        <p:blipFill>
+          <a:blip r:embed="rId13">
+            <a:extLst>
+              <a:ext uri="{28A0092B-C50C-407E-A947-70E740481C1C}">
+                <a14:useLocalDpi xmlns:a14="http://schemas.microsoft.com/office/drawing/2010/main" val="0"/>
+              </a:ext>
+            </a:extLst>
+          </a:blip>
+          <a:stretch>
+            <a:fillRect/>
+          </a:stretch>
+        </p:blipFill>
+        <p:spPr>
+          <a:xfrm>
+            <a:off x="6908933" y="2676935"/>
+            <a:ext cx="455763" cy="455763"/>
+          </a:xfrm>
+          <a:prstGeom prst="rect">
+            <a:avLst/>
+          </a:prstGeom>
+        </p:spPr>
+      </p:pic>
+      <p:pic>
+        <p:nvPicPr>
+          <p:cNvPr id="31" name="Imagen 30">
+            <a:extLst>
+              <a:ext uri="{FF2B5EF4-FFF2-40B4-BE49-F238E27FC236}">
+                <a16:creationId xmlns:a16="http://schemas.microsoft.com/office/drawing/2014/main" id="{7309AFB0-39C0-4A8E-85B4-1AF228B982CA}"/>
+              </a:ext>
+            </a:extLst>
+          </p:cNvPr>
+          <p:cNvPicPr>
+            <a:picLocks noChangeAspect="1"/>
+          </p:cNvPicPr>
+          <p:nvPr/>
+        </p:nvPicPr>
+        <p:blipFill>
+          <a:blip r:embed="rId13">
+            <a:extLst>
+              <a:ext uri="{28A0092B-C50C-407E-A947-70E740481C1C}">
+                <a14:useLocalDpi xmlns:a14="http://schemas.microsoft.com/office/drawing/2010/main" val="0"/>
+              </a:ext>
+            </a:extLst>
+          </a:blip>
+          <a:stretch>
+            <a:fillRect/>
+          </a:stretch>
+        </p:blipFill>
+        <p:spPr>
+          <a:xfrm>
+            <a:off x="3784071" y="2688664"/>
+            <a:ext cx="455763" cy="455763"/>
+          </a:xfrm>
+          <a:prstGeom prst="rect">
+            <a:avLst/>
+          </a:prstGeom>
+        </p:spPr>
+      </p:pic>
+      <p:pic>
+        <p:nvPicPr>
+          <p:cNvPr id="32" name="Imagen 31">
+            <a:extLst>
+              <a:ext uri="{FF2B5EF4-FFF2-40B4-BE49-F238E27FC236}">
+                <a16:creationId xmlns:a16="http://schemas.microsoft.com/office/drawing/2014/main" id="{060BF1A4-5827-4D33-945C-B004F61C911B}"/>
+              </a:ext>
+            </a:extLst>
+          </p:cNvPr>
+          <p:cNvPicPr>
+            <a:picLocks noChangeAspect="1"/>
+          </p:cNvPicPr>
+          <p:nvPr/>
+        </p:nvPicPr>
+        <p:blipFill>
+          <a:blip r:embed="rId13">
+            <a:extLst>
+              <a:ext uri="{28A0092B-C50C-407E-A947-70E740481C1C}">
+                <a14:useLocalDpi xmlns:a14="http://schemas.microsoft.com/office/drawing/2010/main" val="0"/>
+              </a:ext>
+            </a:extLst>
+          </a:blip>
+          <a:stretch>
+            <a:fillRect/>
+          </a:stretch>
+        </p:blipFill>
+        <p:spPr>
+          <a:xfrm>
+            <a:off x="1277137" y="5304555"/>
+            <a:ext cx="455763" cy="455763"/>
+          </a:xfrm>
+          <a:prstGeom prst="rect">
+            <a:avLst/>
+          </a:prstGeom>
+        </p:spPr>
+      </p:pic>
+      <p:pic>
+        <p:nvPicPr>
+          <p:cNvPr id="34" name="Imagen 33">
+            <a:extLst>
+              <a:ext uri="{FF2B5EF4-FFF2-40B4-BE49-F238E27FC236}">
+                <a16:creationId xmlns:a16="http://schemas.microsoft.com/office/drawing/2014/main" id="{9F893D08-B87E-4F83-94C1-254AD4C35297}"/>
+              </a:ext>
+            </a:extLst>
+          </p:cNvPr>
+          <p:cNvPicPr>
+            <a:picLocks noChangeAspect="1"/>
+          </p:cNvPicPr>
+          <p:nvPr/>
+        </p:nvPicPr>
+        <p:blipFill>
+          <a:blip r:embed="rId14">
+            <a:extLst>
+              <a:ext uri="{28A0092B-C50C-407E-A947-70E740481C1C}">
+                <a14:useLocalDpi xmlns:a14="http://schemas.microsoft.com/office/drawing/2010/main" val="0"/>
+              </a:ext>
+            </a:extLst>
+          </a:blip>
+          <a:stretch>
+            <a:fillRect/>
+          </a:stretch>
+        </p:blipFill>
+        <p:spPr>
+          <a:xfrm>
+            <a:off x="876368" y="2715062"/>
+            <a:ext cx="429871" cy="429871"/>
+          </a:xfrm>
+          <a:prstGeom prst="rect">
+            <a:avLst/>
+          </a:prstGeom>
+        </p:spPr>
+      </p:pic>
+      <p:pic>
+        <p:nvPicPr>
+          <p:cNvPr id="35" name="Imagen 34">
+            <a:extLst>
+              <a:ext uri="{FF2B5EF4-FFF2-40B4-BE49-F238E27FC236}">
+                <a16:creationId xmlns:a16="http://schemas.microsoft.com/office/drawing/2014/main" id="{D67D1469-5305-40A7-BD03-AF9218BE91F8}"/>
+              </a:ext>
+            </a:extLst>
+          </p:cNvPr>
+          <p:cNvPicPr>
+            <a:picLocks noChangeAspect="1"/>
+          </p:cNvPicPr>
+          <p:nvPr/>
+        </p:nvPicPr>
+        <p:blipFill>
+          <a:blip r:embed="rId14">
+            <a:extLst>
+              <a:ext uri="{28A0092B-C50C-407E-A947-70E740481C1C}">
+                <a14:useLocalDpi xmlns:a14="http://schemas.microsoft.com/office/drawing/2010/main" val="0"/>
+              </a:ext>
+            </a:extLst>
+          </a:blip>
+          <a:stretch>
+            <a:fillRect/>
+          </a:stretch>
+        </p:blipFill>
+        <p:spPr>
+          <a:xfrm>
+            <a:off x="3260565" y="3161328"/>
+            <a:ext cx="429871" cy="429871"/>
+          </a:xfrm>
+          <a:prstGeom prst="rect">
+            <a:avLst/>
+          </a:prstGeom>
+        </p:spPr>
+      </p:pic>
+      <p:pic>
+        <p:nvPicPr>
+          <p:cNvPr id="36" name="Imagen 35">
+            <a:extLst>
+              <a:ext uri="{FF2B5EF4-FFF2-40B4-BE49-F238E27FC236}">
+                <a16:creationId xmlns:a16="http://schemas.microsoft.com/office/drawing/2014/main" id="{2029AF81-6942-43ED-BE12-B5BA21724043}"/>
+              </a:ext>
+            </a:extLst>
+          </p:cNvPr>
+          <p:cNvPicPr>
+            <a:picLocks noChangeAspect="1"/>
+          </p:cNvPicPr>
+          <p:nvPr/>
+        </p:nvPicPr>
+        <p:blipFill>
+          <a:blip r:embed="rId14">
+            <a:extLst>
+              <a:ext uri="{28A0092B-C50C-407E-A947-70E740481C1C}">
+                <a14:useLocalDpi xmlns:a14="http://schemas.microsoft.com/office/drawing/2010/main" val="0"/>
+              </a:ext>
+            </a:extLst>
+          </a:blip>
+          <a:stretch>
+            <a:fillRect/>
+          </a:stretch>
+        </p:blipFill>
+        <p:spPr>
+          <a:xfrm>
+            <a:off x="6056625" y="3152995"/>
+            <a:ext cx="429871" cy="429871"/>
+          </a:xfrm>
+          <a:prstGeom prst="rect">
+            <a:avLst/>
+          </a:prstGeom>
+        </p:spPr>
+      </p:pic>
+      <p:pic>
+        <p:nvPicPr>
+          <p:cNvPr id="38" name="Imagen 37">
+            <a:extLst>
+              <a:ext uri="{FF2B5EF4-FFF2-40B4-BE49-F238E27FC236}">
+                <a16:creationId xmlns:a16="http://schemas.microsoft.com/office/drawing/2014/main" id="{2FD4851A-5DC3-4380-B245-8D822BE2FE88}"/>
+              </a:ext>
+            </a:extLst>
+          </p:cNvPr>
+          <p:cNvPicPr>
+            <a:picLocks noChangeAspect="1"/>
+          </p:cNvPicPr>
+          <p:nvPr/>
+        </p:nvPicPr>
+        <p:blipFill>
+          <a:blip r:embed="rId15">
+            <a:extLst>
+              <a:ext uri="{28A0092B-C50C-407E-A947-70E740481C1C}">
+                <a14:useLocalDpi xmlns:a14="http://schemas.microsoft.com/office/drawing/2010/main" val="0"/>
+              </a:ext>
+            </a:extLst>
+          </a:blip>
+          <a:stretch>
+            <a:fillRect/>
+          </a:stretch>
+        </p:blipFill>
+        <p:spPr>
+          <a:xfrm>
+            <a:off x="1346391" y="2705564"/>
+            <a:ext cx="455764" cy="455764"/>
+          </a:xfrm>
+          <a:prstGeom prst="rect">
+            <a:avLst/>
+          </a:prstGeom>
+        </p:spPr>
+      </p:pic>
+      <p:pic>
+        <p:nvPicPr>
+          <p:cNvPr id="40" name="Imagen 39">
+            <a:extLst>
+              <a:ext uri="{FF2B5EF4-FFF2-40B4-BE49-F238E27FC236}">
+                <a16:creationId xmlns:a16="http://schemas.microsoft.com/office/drawing/2014/main" id="{866FC7BA-22C3-424F-BD92-4778E7EB9C38}"/>
+              </a:ext>
+            </a:extLst>
+          </p:cNvPr>
+          <p:cNvPicPr>
+            <a:picLocks noChangeAspect="1"/>
+          </p:cNvPicPr>
+          <p:nvPr/>
+        </p:nvPicPr>
+        <p:blipFill>
+          <a:blip r:embed="rId16">
+            <a:extLst>
+              <a:ext uri="{28A0092B-C50C-407E-A947-70E740481C1C}">
+                <a14:useLocalDpi xmlns:a14="http://schemas.microsoft.com/office/drawing/2010/main" val="0"/>
+              </a:ext>
+            </a:extLst>
+          </a:blip>
+          <a:stretch>
+            <a:fillRect/>
+          </a:stretch>
+        </p:blipFill>
+        <p:spPr>
+          <a:xfrm>
+            <a:off x="1874346" y="2723319"/>
+            <a:ext cx="438009" cy="438009"/>
+          </a:xfrm>
+          <a:prstGeom prst="rect">
+            <a:avLst/>
+          </a:prstGeom>
+        </p:spPr>
+      </p:pic>
+      <p:pic>
+        <p:nvPicPr>
+          <p:cNvPr id="41" name="Imagen 40">
+            <a:extLst>
+              <a:ext uri="{FF2B5EF4-FFF2-40B4-BE49-F238E27FC236}">
+                <a16:creationId xmlns:a16="http://schemas.microsoft.com/office/drawing/2014/main" id="{96981EAC-B926-4FD2-862C-6B0576499C29}"/>
+              </a:ext>
+            </a:extLst>
+          </p:cNvPr>
+          <p:cNvPicPr>
+            <a:picLocks noChangeAspect="1"/>
+          </p:cNvPicPr>
+          <p:nvPr/>
+        </p:nvPicPr>
+        <p:blipFill>
+          <a:blip r:embed="rId16">
+            <a:extLst>
+              <a:ext uri="{28A0092B-C50C-407E-A947-70E740481C1C}">
+                <a14:useLocalDpi xmlns:a14="http://schemas.microsoft.com/office/drawing/2010/main" val="0"/>
+              </a:ext>
+            </a:extLst>
+          </a:blip>
+          <a:stretch>
+            <a:fillRect/>
+          </a:stretch>
+        </p:blipFill>
+        <p:spPr>
+          <a:xfrm>
+            <a:off x="3260565" y="5322309"/>
+            <a:ext cx="438009" cy="438009"/>
+          </a:xfrm>
+          <a:prstGeom prst="rect">
+            <a:avLst/>
+          </a:prstGeom>
+        </p:spPr>
+      </p:pic>
+      <p:pic>
+        <p:nvPicPr>
+          <p:cNvPr id="42" name="Imagen 41">
+            <a:extLst>
+              <a:ext uri="{FF2B5EF4-FFF2-40B4-BE49-F238E27FC236}">
+                <a16:creationId xmlns:a16="http://schemas.microsoft.com/office/drawing/2014/main" id="{81279C63-3DE5-45D3-A4E9-8C5C6969431D}"/>
+              </a:ext>
+            </a:extLst>
+          </p:cNvPr>
+          <p:cNvPicPr>
+            <a:picLocks noChangeAspect="1"/>
+          </p:cNvPicPr>
+          <p:nvPr/>
+        </p:nvPicPr>
+        <p:blipFill>
+          <a:blip r:embed="rId16">
+            <a:extLst>
+              <a:ext uri="{28A0092B-C50C-407E-A947-70E740481C1C}">
+                <a14:useLocalDpi xmlns:a14="http://schemas.microsoft.com/office/drawing/2010/main" val="0"/>
+              </a:ext>
+            </a:extLst>
+          </a:blip>
+          <a:stretch>
+            <a:fillRect/>
+          </a:stretch>
+        </p:blipFill>
+        <p:spPr>
+          <a:xfrm>
+            <a:off x="9125943" y="5280278"/>
+            <a:ext cx="438009" cy="438009"/>
+          </a:xfrm>
+          <a:prstGeom prst="rect">
+            <a:avLst/>
+          </a:prstGeom>
+        </p:spPr>
+      </p:pic>
+      <p:pic>
+        <p:nvPicPr>
+          <p:cNvPr id="43" name="Imagen 42">
+            <a:extLst>
+              <a:ext uri="{FF2B5EF4-FFF2-40B4-BE49-F238E27FC236}">
+                <a16:creationId xmlns:a16="http://schemas.microsoft.com/office/drawing/2014/main" id="{7A79DE55-71DB-45CB-B22E-DBADE3D32A03}"/>
+              </a:ext>
+            </a:extLst>
+          </p:cNvPr>
+          <p:cNvPicPr>
+            <a:picLocks noChangeAspect="1"/>
+          </p:cNvPicPr>
+          <p:nvPr/>
+        </p:nvPicPr>
+        <p:blipFill>
+          <a:blip r:embed="rId16">
+            <a:extLst>
+              <a:ext uri="{28A0092B-C50C-407E-A947-70E740481C1C}">
+                <a14:useLocalDpi xmlns:a14="http://schemas.microsoft.com/office/drawing/2010/main" val="0"/>
+              </a:ext>
+            </a:extLst>
+          </a:blip>
+          <a:stretch>
+            <a:fillRect/>
+          </a:stretch>
+        </p:blipFill>
+        <p:spPr>
+          <a:xfrm>
+            <a:off x="6588249" y="3160712"/>
+            <a:ext cx="438009" cy="438009"/>
+          </a:xfrm>
+          <a:prstGeom prst="rect">
+            <a:avLst/>
+          </a:prstGeom>
+        </p:spPr>
+      </p:pic>
+      <p:pic>
+        <p:nvPicPr>
+          <p:cNvPr id="44" name="Imagen 43">
+            <a:extLst>
+              <a:ext uri="{FF2B5EF4-FFF2-40B4-BE49-F238E27FC236}">
+                <a16:creationId xmlns:a16="http://schemas.microsoft.com/office/drawing/2014/main" id="{BA537EEC-D8F8-4EAB-AF07-09BC75AFB1FF}"/>
+              </a:ext>
+            </a:extLst>
+          </p:cNvPr>
+          <p:cNvPicPr>
+            <a:picLocks noChangeAspect="1"/>
+          </p:cNvPicPr>
+          <p:nvPr/>
+        </p:nvPicPr>
+        <p:blipFill>
+          <a:blip r:embed="rId16">
+            <a:extLst>
+              <a:ext uri="{28A0092B-C50C-407E-A947-70E740481C1C}">
+                <a14:useLocalDpi xmlns:a14="http://schemas.microsoft.com/office/drawing/2010/main" val="0"/>
+              </a:ext>
+            </a:extLst>
+          </a:blip>
+          <a:stretch>
+            <a:fillRect/>
+          </a:stretch>
+        </p:blipFill>
+        <p:spPr>
+          <a:xfrm>
+            <a:off x="3792947" y="3148925"/>
+            <a:ext cx="438009" cy="438009"/>
+          </a:xfrm>
+          <a:prstGeom prst="rect">
+            <a:avLst/>
+          </a:prstGeom>
+        </p:spPr>
+      </p:pic>
+      <p:pic>
+        <p:nvPicPr>
+          <p:cNvPr id="46" name="Imagen 45">
+            <a:extLst>
+              <a:ext uri="{FF2B5EF4-FFF2-40B4-BE49-F238E27FC236}">
+                <a16:creationId xmlns:a16="http://schemas.microsoft.com/office/drawing/2014/main" id="{C0C2E5D7-83E2-44ED-9AA0-5A32D59C4377}"/>
+              </a:ext>
+            </a:extLst>
+          </p:cNvPr>
+          <p:cNvPicPr>
+            <a:picLocks noChangeAspect="1"/>
+          </p:cNvPicPr>
+          <p:nvPr/>
+        </p:nvPicPr>
+        <p:blipFill>
+          <a:blip r:embed="rId17">
+            <a:extLst>
+              <a:ext uri="{28A0092B-C50C-407E-A947-70E740481C1C}">
+                <a14:useLocalDpi xmlns:a14="http://schemas.microsoft.com/office/drawing/2010/main" val="0"/>
+              </a:ext>
+            </a:extLst>
+          </a:blip>
+          <a:stretch>
+            <a:fillRect/>
+          </a:stretch>
+        </p:blipFill>
+        <p:spPr>
+          <a:xfrm>
+            <a:off x="6056625" y="5344329"/>
+            <a:ext cx="455763" cy="455763"/>
+          </a:xfrm>
+          <a:prstGeom prst="rect">
+            <a:avLst/>
+          </a:prstGeom>
+        </p:spPr>
+      </p:pic>
+      <p:pic>
+        <p:nvPicPr>
+          <p:cNvPr id="48" name="Imagen 47">
+            <a:extLst>
+              <a:ext uri="{FF2B5EF4-FFF2-40B4-BE49-F238E27FC236}">
+                <a16:creationId xmlns:a16="http://schemas.microsoft.com/office/drawing/2014/main" id="{21180030-7CA3-4390-8D79-24D34F20FBB3}"/>
+              </a:ext>
+            </a:extLst>
+          </p:cNvPr>
+          <p:cNvPicPr>
+            <a:picLocks noChangeAspect="1"/>
+          </p:cNvPicPr>
+          <p:nvPr/>
+        </p:nvPicPr>
+        <p:blipFill>
+          <a:blip r:embed="rId18">
+            <a:extLst>
+              <a:ext uri="{28A0092B-C50C-407E-A947-70E740481C1C}">
+                <a14:useLocalDpi xmlns:a14="http://schemas.microsoft.com/office/drawing/2010/main" val="0"/>
+              </a:ext>
+            </a:extLst>
+          </a:blip>
+          <a:stretch>
+            <a:fillRect/>
+          </a:stretch>
+        </p:blipFill>
+        <p:spPr>
+          <a:xfrm>
+            <a:off x="9050244" y="3172128"/>
+            <a:ext cx="473316" cy="473316"/>
+          </a:xfrm>
+          <a:prstGeom prst="rect">
+            <a:avLst/>
+          </a:prstGeom>
+        </p:spPr>
+      </p:pic>
+      <p:pic>
+        <p:nvPicPr>
+          <p:cNvPr id="49" name="Imagen 48">
+            <a:extLst>
+              <a:ext uri="{FF2B5EF4-FFF2-40B4-BE49-F238E27FC236}">
+                <a16:creationId xmlns:a16="http://schemas.microsoft.com/office/drawing/2014/main" id="{1FC4AB7A-DA0F-44A3-AE5A-EC9B2657D117}"/>
+              </a:ext>
+            </a:extLst>
+          </p:cNvPr>
+          <p:cNvPicPr>
+            <a:picLocks noChangeAspect="1"/>
+          </p:cNvPicPr>
+          <p:nvPr/>
+        </p:nvPicPr>
+        <p:blipFill>
+          <a:blip r:embed="rId18">
+            <a:extLst>
+              <a:ext uri="{28A0092B-C50C-407E-A947-70E740481C1C}">
+                <a14:useLocalDpi xmlns:a14="http://schemas.microsoft.com/office/drawing/2010/main" val="0"/>
+              </a:ext>
+            </a:extLst>
+          </a:blip>
+          <a:stretch>
+            <a:fillRect/>
+          </a:stretch>
+        </p:blipFill>
+        <p:spPr>
+          <a:xfrm>
+            <a:off x="9625340" y="5280278"/>
+            <a:ext cx="473316" cy="473316"/>
+          </a:xfrm>
+          <a:prstGeom prst="rect">
+            <a:avLst/>
+          </a:prstGeom>
+        </p:spPr>
+      </p:pic>
+      <p:pic>
+        <p:nvPicPr>
+          <p:cNvPr id="50" name="Imagen 49">
+            <a:extLst>
+              <a:ext uri="{FF2B5EF4-FFF2-40B4-BE49-F238E27FC236}">
+                <a16:creationId xmlns:a16="http://schemas.microsoft.com/office/drawing/2014/main" id="{4B70D22B-E3D4-406A-843F-F738A64ACF27}"/>
+              </a:ext>
+            </a:extLst>
+          </p:cNvPr>
+          <p:cNvPicPr>
+            <a:picLocks noChangeAspect="1"/>
+          </p:cNvPicPr>
+          <p:nvPr/>
+        </p:nvPicPr>
+        <p:blipFill>
+          <a:blip r:embed="rId18">
+            <a:extLst>
+              <a:ext uri="{28A0092B-C50C-407E-A947-70E740481C1C}">
+                <a14:useLocalDpi xmlns:a14="http://schemas.microsoft.com/office/drawing/2010/main" val="0"/>
+              </a:ext>
+            </a:extLst>
+          </a:blip>
+          <a:stretch>
+            <a:fillRect/>
+          </a:stretch>
+        </p:blipFill>
+        <p:spPr>
+          <a:xfrm>
+            <a:off x="3758001" y="5304655"/>
+            <a:ext cx="473316" cy="473316"/>
+          </a:xfrm>
+          <a:prstGeom prst="rect">
+            <a:avLst/>
+          </a:prstGeom>
+        </p:spPr>
+      </p:pic>
+      <p:pic>
+        <p:nvPicPr>
+          <p:cNvPr id="51" name="Imagen 50">
+            <a:extLst>
+              <a:ext uri="{FF2B5EF4-FFF2-40B4-BE49-F238E27FC236}">
+                <a16:creationId xmlns:a16="http://schemas.microsoft.com/office/drawing/2014/main" id="{0AED85EF-0B37-4BB4-99EA-F6CA77FB05D4}"/>
+              </a:ext>
+            </a:extLst>
+          </p:cNvPr>
+          <p:cNvPicPr>
+            <a:picLocks noChangeAspect="1"/>
+          </p:cNvPicPr>
+          <p:nvPr/>
+        </p:nvPicPr>
+        <p:blipFill>
+          <a:blip r:embed="rId18">
+            <a:extLst>
+              <a:ext uri="{28A0092B-C50C-407E-A947-70E740481C1C}">
+                <a14:useLocalDpi xmlns:a14="http://schemas.microsoft.com/office/drawing/2010/main" val="0"/>
+              </a:ext>
+            </a:extLst>
+          </a:blip>
+          <a:stretch>
+            <a:fillRect/>
+          </a:stretch>
+        </p:blipFill>
+        <p:spPr>
+          <a:xfrm>
+            <a:off x="1773789" y="5335552"/>
+            <a:ext cx="473316" cy="473316"/>
+          </a:xfrm>
+          <a:prstGeom prst="rect">
+            <a:avLst/>
+          </a:prstGeom>
+        </p:spPr>
+      </p:pic>
+    </p:spTree>
+    <p:extLst>
+      <p:ext uri="{BB962C8B-B14F-4D97-AF65-F5344CB8AC3E}">
+        <p14:creationId xmlns:p14="http://schemas.microsoft.com/office/powerpoint/2010/main" val="1133201471"/>
       </p:ext>
     </p:extLst>
   </p:cSld>
